--- a/Simulation Code Review.pptx
+++ b/Simulation Code Review.pptx
@@ -5,14 +5,17 @@
     <p:sldMasterId id="2147483648" r:id="rId1"/>
   </p:sldMasterIdLst>
   <p:notesMasterIdLst>
-    <p:notesMasterId r:id="rId7"/>
+    <p:notesMasterId r:id="rId10"/>
   </p:notesMasterIdLst>
   <p:sldIdLst>
     <p:sldId id="256" r:id="rId2"/>
-    <p:sldId id="260" r:id="rId3"/>
-    <p:sldId id="261" r:id="rId4"/>
+    <p:sldId id="265" r:id="rId3"/>
+    <p:sldId id="260" r:id="rId4"/>
     <p:sldId id="262" r:id="rId5"/>
-    <p:sldId id="263" r:id="rId6"/>
+    <p:sldId id="261" r:id="rId6"/>
+    <p:sldId id="263" r:id="rId7"/>
+    <p:sldId id="264" r:id="rId8"/>
+    <p:sldId id="266" r:id="rId9"/>
   </p:sldIdLst>
   <p:sldSz cx="12192000" cy="6858000"/>
   <p:notesSz cx="6858000" cy="9144000"/>
@@ -117,10 +120,13 @@
         <p14:section name="기본 구역" id="{CB3A2013-D3DB-3947-BCAE-3A811E49AF6A}">
           <p14:sldIdLst>
             <p14:sldId id="256"/>
+            <p14:sldId id="265"/>
             <p14:sldId id="260"/>
+            <p14:sldId id="262"/>
             <p14:sldId id="261"/>
-            <p14:sldId id="262"/>
             <p14:sldId id="263"/>
+            <p14:sldId id="264"/>
+            <p14:sldId id="266"/>
           </p14:sldIdLst>
         </p14:section>
       </p14:sectionLst>
@@ -217,7 +223,7 @@
           <a:p>
             <a:fld id="{E914FA38-A1C9-2C4D-9B7F-E8ED6D816EA5}" type="datetimeFigureOut">
               <a:rPr kumimoji="1" lang="ko-Kore-KR" altLang="en-US" smtClean="0"/>
-              <a:t>2022. 9. 28.</a:t>
+              <a:t>9/29/22</a:t>
             </a:fld>
             <a:endParaRPr kumimoji="1" lang="ko-Kore-KR" altLang="en-US"/>
           </a:p>
@@ -485,6 +491,90 @@
 </p:notesMaster>
 </file>
 
+<file path=ppt/notesSlides/notesSlide1.xml><?xml version="1.0" encoding="utf-8"?>
+<p:notes xmlns:a="http://schemas.openxmlformats.org/drawingml/2006/main" xmlns:r="http://schemas.openxmlformats.org/officeDocument/2006/relationships" xmlns:p="http://schemas.openxmlformats.org/presentationml/2006/main">
+  <p:cSld>
+    <p:spTree>
+      <p:nvGrpSpPr>
+        <p:cNvPr id="1" name=""/>
+        <p:cNvGrpSpPr/>
+        <p:nvPr/>
+      </p:nvGrpSpPr>
+      <p:grpSpPr>
+        <a:xfrm>
+          <a:off x="0" y="0"/>
+          <a:ext cx="0" cy="0"/>
+          <a:chOff x="0" y="0"/>
+          <a:chExt cx="0" cy="0"/>
+        </a:xfrm>
+      </p:grpSpPr>
+      <p:sp>
+        <p:nvSpPr>
+          <p:cNvPr id="2" name="슬라이드 이미지 개체 틀 1"/>
+          <p:cNvSpPr>
+            <a:spLocks noGrp="1" noRot="1" noChangeAspect="1"/>
+          </p:cNvSpPr>
+          <p:nvPr>
+            <p:ph type="sldImg"/>
+          </p:nvPr>
+        </p:nvSpPr>
+        <p:spPr/>
+      </p:sp>
+      <p:sp>
+        <p:nvSpPr>
+          <p:cNvPr id="3" name="슬라이드 노트 개체 틀 2"/>
+          <p:cNvSpPr>
+            <a:spLocks noGrp="1"/>
+          </p:cNvSpPr>
+          <p:nvPr>
+            <p:ph type="body" idx="1"/>
+          </p:nvPr>
+        </p:nvSpPr>
+        <p:spPr/>
+        <p:txBody>
+          <a:bodyPr/>
+          <a:lstStyle/>
+          <a:p>
+            <a:endParaRPr kumimoji="1" lang="ko-Kore-KR" altLang="en-US" dirty="0"/>
+          </a:p>
+        </p:txBody>
+      </p:sp>
+      <p:sp>
+        <p:nvSpPr>
+          <p:cNvPr id="4" name="슬라이드 번호 개체 틀 3"/>
+          <p:cNvSpPr>
+            <a:spLocks noGrp="1"/>
+          </p:cNvSpPr>
+          <p:nvPr>
+            <p:ph type="sldNum" sz="quarter" idx="5"/>
+          </p:nvPr>
+        </p:nvSpPr>
+        <p:spPr/>
+        <p:txBody>
+          <a:bodyPr/>
+          <a:lstStyle/>
+          <a:p>
+            <a:fld id="{19220A4F-B00F-E541-B0F0-79AB0A9D6668}" type="slidenum">
+              <a:rPr kumimoji="1" lang="ko-Kore-KR" altLang="en-US" smtClean="0"/>
+              <a:t>3</a:t>
+            </a:fld>
+            <a:endParaRPr kumimoji="1" lang="ko-Kore-KR" altLang="en-US"/>
+          </a:p>
+        </p:txBody>
+      </p:sp>
+    </p:spTree>
+    <p:extLst>
+      <p:ext uri="{BB962C8B-B14F-4D97-AF65-F5344CB8AC3E}">
+        <p14:creationId xmlns:p14="http://schemas.microsoft.com/office/powerpoint/2010/main" val="3312082763"/>
+      </p:ext>
+    </p:extLst>
+  </p:cSld>
+  <p:clrMapOvr>
+    <a:masterClrMapping/>
+  </p:clrMapOvr>
+</p:notes>
+</file>
+
 <file path=ppt/slideLayouts/slideLayout1.xml><?xml version="1.0" encoding="utf-8"?>
 <p:sldLayout xmlns:a="http://schemas.openxmlformats.org/drawingml/2006/main" xmlns:r="http://schemas.openxmlformats.org/officeDocument/2006/relationships" xmlns:p="http://schemas.openxmlformats.org/presentationml/2006/main" type="title" preserve="1">
   <p:cSld name="제목 슬라이드">
@@ -634,7 +724,7 @@
           <a:p>
             <a:fld id="{DFFF3FD0-DAEA-A44B-B3EC-3CD08FB51477}" type="datetime1">
               <a:rPr kumimoji="1" lang="ko-KR" altLang="en-US" smtClean="0"/>
-              <a:t>2022. 9. 28.</a:t>
+              <a:t>2022. 9. 29.</a:t>
             </a:fld>
             <a:endParaRPr kumimoji="1" lang="ko-Kore-KR" altLang="en-US" dirty="0"/>
           </a:p>
@@ -923,7 +1013,7 @@
           <a:p>
             <a:fld id="{673BFB8F-AD06-564E-9A7D-137E128F1050}" type="datetime1">
               <a:rPr kumimoji="1" lang="ko-KR" altLang="en-US" smtClean="0"/>
-              <a:t>2022. 9. 28.</a:t>
+              <a:t>2022. 9. 29.</a:t>
             </a:fld>
             <a:endParaRPr kumimoji="1" lang="ko-Kore-KR" altLang="en-US"/>
           </a:p>
@@ -1123,7 +1213,7 @@
           <a:p>
             <a:fld id="{30589953-ADA4-6A43-BAF9-9C56B641C324}" type="datetime1">
               <a:rPr kumimoji="1" lang="ko-KR" altLang="en-US" smtClean="0"/>
-              <a:t>2022. 9. 28.</a:t>
+              <a:t>2022. 9. 29.</a:t>
             </a:fld>
             <a:endParaRPr kumimoji="1" lang="ko-Kore-KR" altLang="en-US"/>
           </a:p>
@@ -1333,7 +1423,7 @@
           <a:p>
             <a:fld id="{972D3751-D518-FE48-B884-8D4CF5227713}" type="datetime1">
               <a:rPr kumimoji="1" lang="ko-KR" altLang="en-US" smtClean="0"/>
-              <a:t>2022. 9. 28.</a:t>
+              <a:t>2022. 9. 29.</a:t>
             </a:fld>
             <a:endParaRPr kumimoji="1" lang="ko-Kore-KR" altLang="en-US"/>
           </a:p>
@@ -1533,7 +1623,7 @@
           <a:p>
             <a:fld id="{68D3CE80-1FCE-E740-8651-26057649C4DC}" type="datetime1">
               <a:rPr kumimoji="1" lang="ko-KR" altLang="en-US" smtClean="0"/>
-              <a:t>2022. 9. 28.</a:t>
+              <a:t>2022. 9. 29.</a:t>
             </a:fld>
             <a:endParaRPr kumimoji="1" lang="ko-Kore-KR" altLang="en-US"/>
           </a:p>
@@ -1809,7 +1899,7 @@
           <a:p>
             <a:fld id="{6EB97B52-4818-914A-9F31-5FABF9C1D7B5}" type="datetime1">
               <a:rPr kumimoji="1" lang="ko-KR" altLang="en-US" smtClean="0"/>
-              <a:t>2022. 9. 28.</a:t>
+              <a:t>2022. 9. 29.</a:t>
             </a:fld>
             <a:endParaRPr kumimoji="1" lang="ko-Kore-KR" altLang="en-US"/>
           </a:p>
@@ -2077,7 +2167,7 @@
           <a:p>
             <a:fld id="{3E74A905-FD0E-F245-B966-14D503E36AAA}" type="datetime1">
               <a:rPr kumimoji="1" lang="ko-KR" altLang="en-US" smtClean="0"/>
-              <a:t>2022. 9. 28.</a:t>
+              <a:t>2022. 9. 29.</a:t>
             </a:fld>
             <a:endParaRPr kumimoji="1" lang="ko-Kore-KR" altLang="en-US"/>
           </a:p>
@@ -2492,7 +2582,7 @@
           <a:p>
             <a:fld id="{1CA002C6-8E06-E04F-BA86-04FD8966D269}" type="datetime1">
               <a:rPr kumimoji="1" lang="ko-KR" altLang="en-US" smtClean="0"/>
-              <a:t>2022. 9. 28.</a:t>
+              <a:t>2022. 9. 29.</a:t>
             </a:fld>
             <a:endParaRPr kumimoji="1" lang="ko-Kore-KR" altLang="en-US"/>
           </a:p>
@@ -2634,7 +2724,7 @@
           <a:p>
             <a:fld id="{425646AA-CB2C-574A-AE99-5B9F831B44EE}" type="datetime1">
               <a:rPr kumimoji="1" lang="ko-KR" altLang="en-US" smtClean="0"/>
-              <a:t>2022. 9. 28.</a:t>
+              <a:t>2022. 9. 29.</a:t>
             </a:fld>
             <a:endParaRPr kumimoji="1" lang="ko-Kore-KR" altLang="en-US"/>
           </a:p>
@@ -2747,7 +2837,7 @@
           <a:p>
             <a:fld id="{A5CA5FAB-7D1F-5A4E-AEB9-2B8E165F556D}" type="datetime1">
               <a:rPr kumimoji="1" lang="ko-KR" altLang="en-US" smtClean="0"/>
-              <a:t>2022. 9. 28.</a:t>
+              <a:t>2022. 9. 29.</a:t>
             </a:fld>
             <a:endParaRPr kumimoji="1" lang="ko-Kore-KR" altLang="en-US"/>
           </a:p>
@@ -3203,7 +3293,7 @@
           <a:p>
             <a:fld id="{1182111C-EF14-BB4C-8DD1-2F74424AC624}" type="datetime1">
               <a:rPr kumimoji="1" lang="ko-KR" altLang="en-US" smtClean="0"/>
-              <a:t>2022. 9. 28.</a:t>
+              <a:t>2022. 9. 29.</a:t>
             </a:fld>
             <a:endParaRPr kumimoji="1" lang="ko-Kore-KR" altLang="en-US"/>
           </a:p>
@@ -3446,7 +3536,7 @@
           <a:p>
             <a:fld id="{63A77E65-7445-424E-B93B-CDA95525B915}" type="datetime1">
               <a:rPr kumimoji="1" lang="ko-KR" altLang="en-US" smtClean="0"/>
-              <a:t>2022. 9. 28.</a:t>
+              <a:t>2022. 9. 29.</a:t>
             </a:fld>
             <a:endParaRPr kumimoji="1" lang="ko-Kore-KR" altLang="en-US"/>
           </a:p>
@@ -4070,10 +4160,39 @@
       </p:grpSpPr>
       <p:sp>
         <p:nvSpPr>
-          <p:cNvPr id="2" name="내용 개체 틀 1">
-            <a:extLst>
-              <a:ext uri="{FF2B5EF4-FFF2-40B4-BE49-F238E27FC236}">
-                <a16:creationId xmlns:a16="http://schemas.microsoft.com/office/drawing/2014/main" id="{4B38E85C-3064-8D47-BCAD-CFA7C8AAE55F}"/>
+          <p:cNvPr id="2" name="슬라이드 번호 개체 틀 1">
+            <a:extLst>
+              <a:ext uri="{FF2B5EF4-FFF2-40B4-BE49-F238E27FC236}">
+                <a16:creationId xmlns:a16="http://schemas.microsoft.com/office/drawing/2014/main" id="{30EA4FBF-4E5C-45FD-6A98-CE7B883A9EFC}"/>
+              </a:ext>
+            </a:extLst>
+          </p:cNvPr>
+          <p:cNvSpPr>
+            <a:spLocks noGrp="1"/>
+          </p:cNvSpPr>
+          <p:nvPr>
+            <p:ph type="sldNum" sz="quarter" idx="12"/>
+          </p:nvPr>
+        </p:nvSpPr>
+        <p:spPr/>
+        <p:txBody>
+          <a:bodyPr/>
+          <a:lstStyle/>
+          <a:p>
+            <a:fld id="{AB63B532-9832-1249-9E64-2BDCF6AB4178}" type="slidenum">
+              <a:rPr kumimoji="1" lang="ko-Kore-KR" altLang="en-US" smtClean="0"/>
+              <a:t>2</a:t>
+            </a:fld>
+            <a:endParaRPr kumimoji="1" lang="ko-Kore-KR" altLang="en-US"/>
+          </a:p>
+        </p:txBody>
+      </p:sp>
+      <p:sp>
+        <p:nvSpPr>
+          <p:cNvPr id="3" name="내용 개체 틀 2">
+            <a:extLst>
+              <a:ext uri="{FF2B5EF4-FFF2-40B4-BE49-F238E27FC236}">
+                <a16:creationId xmlns:a16="http://schemas.microsoft.com/office/drawing/2014/main" id="{70BA97DC-E194-16D0-9AC4-A358A9E8E13A}"/>
               </a:ext>
             </a:extLst>
           </p:cNvPr>
@@ -4090,12 +4209,97 @@
           <a:lstStyle/>
           <a:p>
             <a:r>
-              <a:rPr kumimoji="1" lang="en-US" altLang="ko-Kore-KR" dirty="0"/>
-              <a:t>1</a:t>
-            </a:r>
-            <a:r>
               <a:rPr kumimoji="1" lang="en-US" altLang="ko-KR" dirty="0"/>
-              <a:t>.</a:t>
+              <a:t>1. Model</a:t>
+            </a:r>
+            <a:endParaRPr kumimoji="1" lang="ko-KR" altLang="en-US" dirty="0"/>
+          </a:p>
+        </p:txBody>
+      </p:sp>
+      <p:pic>
+        <p:nvPicPr>
+          <p:cNvPr id="7" name="그림 6">
+            <a:extLst>
+              <a:ext uri="{FF2B5EF4-FFF2-40B4-BE49-F238E27FC236}">
+                <a16:creationId xmlns:a16="http://schemas.microsoft.com/office/drawing/2014/main" id="{71B6FDEF-F83E-F984-A6B9-F65EFBEADC63}"/>
+              </a:ext>
+            </a:extLst>
+          </p:cNvPr>
+          <p:cNvPicPr>
+            <a:picLocks noChangeAspect="1"/>
+          </p:cNvPicPr>
+          <p:nvPr/>
+        </p:nvPicPr>
+        <p:blipFill>
+          <a:blip r:embed="rId2"/>
+          <a:stretch>
+            <a:fillRect/>
+          </a:stretch>
+        </p:blipFill>
+        <p:spPr>
+          <a:xfrm>
+            <a:off x="2209800" y="924766"/>
+            <a:ext cx="7772400" cy="5008467"/>
+          </a:xfrm>
+          <a:prstGeom prst="rect">
+            <a:avLst/>
+          </a:prstGeom>
+        </p:spPr>
+      </p:pic>
+    </p:spTree>
+    <p:extLst>
+      <p:ext uri="{BB962C8B-B14F-4D97-AF65-F5344CB8AC3E}">
+        <p14:creationId xmlns:p14="http://schemas.microsoft.com/office/powerpoint/2010/main" val="3568291004"/>
+      </p:ext>
+    </p:extLst>
+  </p:cSld>
+  <p:clrMapOvr>
+    <a:masterClrMapping/>
+  </p:clrMapOvr>
+</p:sld>
+</file>
+
+<file path=ppt/slides/slide3.xml><?xml version="1.0" encoding="utf-8"?>
+<p:sld xmlns:a="http://schemas.openxmlformats.org/drawingml/2006/main" xmlns:r="http://schemas.openxmlformats.org/officeDocument/2006/relationships" xmlns:p="http://schemas.openxmlformats.org/presentationml/2006/main">
+  <p:cSld>
+    <p:spTree>
+      <p:nvGrpSpPr>
+        <p:cNvPr id="1" name=""/>
+        <p:cNvGrpSpPr/>
+        <p:nvPr/>
+      </p:nvGrpSpPr>
+      <p:grpSpPr>
+        <a:xfrm>
+          <a:off x="0" y="0"/>
+          <a:ext cx="0" cy="0"/>
+          <a:chOff x="0" y="0"/>
+          <a:chExt cx="0" cy="0"/>
+        </a:xfrm>
+      </p:grpSpPr>
+      <p:sp>
+        <p:nvSpPr>
+          <p:cNvPr id="2" name="내용 개체 틀 1">
+            <a:extLst>
+              <a:ext uri="{FF2B5EF4-FFF2-40B4-BE49-F238E27FC236}">
+                <a16:creationId xmlns:a16="http://schemas.microsoft.com/office/drawing/2014/main" id="{4B38E85C-3064-8D47-BCAD-CFA7C8AAE55F}"/>
+              </a:ext>
+            </a:extLst>
+          </p:cNvPr>
+          <p:cNvSpPr>
+            <a:spLocks noGrp="1"/>
+          </p:cNvSpPr>
+          <p:nvPr>
+            <p:ph sz="quarter" idx="13"/>
+          </p:nvPr>
+        </p:nvSpPr>
+        <p:spPr/>
+        <p:txBody>
+          <a:bodyPr/>
+          <a:lstStyle/>
+          <a:p>
+            <a:r>
+              <a:rPr kumimoji="1" lang="en-US" altLang="ko-KR" dirty="0"/>
+              <a:t>2.</a:t>
             </a:r>
             <a:r>
               <a:rPr kumimoji="1" lang="ko-KR" altLang="en-US" dirty="0"/>
@@ -4132,7 +4336,7 @@
           <a:p>
             <a:fld id="{AB63B532-9832-1249-9E64-2BDCF6AB4178}" type="slidenum">
               <a:rPr kumimoji="1" lang="ko-Kore-KR" altLang="en-US" smtClean="0"/>
-              <a:t>2</a:t>
+              <a:t>3</a:t>
             </a:fld>
             <a:endParaRPr kumimoji="1" lang="ko-Kore-KR" altLang="en-US"/>
           </a:p>
@@ -5591,106 +5795,6 @@
 </p:sld>
 </file>
 
-<file path=ppt/slides/slide3.xml><?xml version="1.0" encoding="utf-8"?>
-<p:sld xmlns:a="http://schemas.openxmlformats.org/drawingml/2006/main" xmlns:r="http://schemas.openxmlformats.org/officeDocument/2006/relationships" xmlns:p="http://schemas.openxmlformats.org/presentationml/2006/main">
-  <p:cSld>
-    <p:spTree>
-      <p:nvGrpSpPr>
-        <p:cNvPr id="1" name=""/>
-        <p:cNvGrpSpPr/>
-        <p:nvPr/>
-      </p:nvGrpSpPr>
-      <p:grpSpPr>
-        <a:xfrm>
-          <a:off x="0" y="0"/>
-          <a:ext cx="0" cy="0"/>
-          <a:chOff x="0" y="0"/>
-          <a:chExt cx="0" cy="0"/>
-        </a:xfrm>
-      </p:grpSpPr>
-      <p:sp>
-        <p:nvSpPr>
-          <p:cNvPr id="2" name="내용 개체 틀 1">
-            <a:extLst>
-              <a:ext uri="{FF2B5EF4-FFF2-40B4-BE49-F238E27FC236}">
-                <a16:creationId xmlns:a16="http://schemas.microsoft.com/office/drawing/2014/main" id="{4B38E85C-3064-8D47-BCAD-CFA7C8AAE55F}"/>
-              </a:ext>
-            </a:extLst>
-          </p:cNvPr>
-          <p:cNvSpPr>
-            <a:spLocks noGrp="1"/>
-          </p:cNvSpPr>
-          <p:nvPr>
-            <p:ph sz="quarter" idx="13"/>
-          </p:nvPr>
-        </p:nvSpPr>
-        <p:spPr/>
-        <p:txBody>
-          <a:bodyPr/>
-          <a:lstStyle/>
-          <a:p>
-            <a:r>
-              <a:rPr kumimoji="1" lang="en-US" altLang="ko-Kore-KR" dirty="0"/>
-              <a:t>1</a:t>
-            </a:r>
-            <a:r>
-              <a:rPr kumimoji="1" lang="en-US" altLang="ko-KR" dirty="0"/>
-              <a:t>.</a:t>
-            </a:r>
-            <a:r>
-              <a:rPr kumimoji="1" lang="ko-KR" altLang="en-US" dirty="0"/>
-              <a:t> </a:t>
-            </a:r>
-            <a:r>
-              <a:rPr kumimoji="1" lang="en-US" altLang="ko-KR" dirty="0"/>
-              <a:t>Chapter one</a:t>
-            </a:r>
-            <a:endParaRPr kumimoji="1" lang="ko-Kore-KR" altLang="en-US" dirty="0"/>
-          </a:p>
-        </p:txBody>
-      </p:sp>
-      <p:sp>
-        <p:nvSpPr>
-          <p:cNvPr id="19" name="슬라이드 번호 개체 틀 18">
-            <a:extLst>
-              <a:ext uri="{FF2B5EF4-FFF2-40B4-BE49-F238E27FC236}">
-                <a16:creationId xmlns:a16="http://schemas.microsoft.com/office/drawing/2014/main" id="{DA011232-7764-A649-9C7E-AD1590BBB5B9}"/>
-              </a:ext>
-            </a:extLst>
-          </p:cNvPr>
-          <p:cNvSpPr>
-            <a:spLocks noGrp="1"/>
-          </p:cNvSpPr>
-          <p:nvPr>
-            <p:ph type="sldNum" sz="quarter" idx="12"/>
-          </p:nvPr>
-        </p:nvSpPr>
-        <p:spPr/>
-        <p:txBody>
-          <a:bodyPr/>
-          <a:lstStyle/>
-          <a:p>
-            <a:fld id="{AB63B532-9832-1249-9E64-2BDCF6AB4178}" type="slidenum">
-              <a:rPr kumimoji="1" lang="ko-Kore-KR" altLang="en-US" smtClean="0"/>
-              <a:t>3</a:t>
-            </a:fld>
-            <a:endParaRPr kumimoji="1" lang="ko-Kore-KR" altLang="en-US"/>
-          </a:p>
-        </p:txBody>
-      </p:sp>
-    </p:spTree>
-    <p:extLst>
-      <p:ext uri="{BB962C8B-B14F-4D97-AF65-F5344CB8AC3E}">
-        <p14:creationId xmlns:p14="http://schemas.microsoft.com/office/powerpoint/2010/main" val="182321329"/>
-      </p:ext>
-    </p:extLst>
-  </p:cSld>
-  <p:clrMapOvr>
-    <a:masterClrMapping/>
-  </p:clrMapOvr>
-</p:sld>
-</file>
-
 <file path=ppt/slides/slide4.xml><?xml version="1.0" encoding="utf-8"?>
 <p:sld xmlns:a="http://schemas.openxmlformats.org/drawingml/2006/main" xmlns:r="http://schemas.openxmlformats.org/officeDocument/2006/relationships" xmlns:p="http://schemas.openxmlformats.org/presentationml/2006/main">
   <p:cSld>
@@ -5730,12 +5834,8 @@
           <a:lstStyle/>
           <a:p>
             <a:r>
-              <a:rPr kumimoji="1" lang="en-US" altLang="ko-Kore-KR" dirty="0"/>
-              <a:t>1</a:t>
-            </a:r>
-            <a:r>
               <a:rPr kumimoji="1" lang="en-US" altLang="ko-KR" dirty="0"/>
-              <a:t>.</a:t>
+              <a:t>2.</a:t>
             </a:r>
             <a:r>
               <a:rPr kumimoji="1" lang="ko-KR" altLang="en-US" dirty="0"/>
@@ -5743,7 +5843,7 @@
             </a:r>
             <a:r>
               <a:rPr kumimoji="1" lang="en-US" altLang="ko-KR" dirty="0"/>
-              <a:t>Chapter one</a:t>
+              <a:t>Code Structure</a:t>
             </a:r>
             <a:endParaRPr kumimoji="1" lang="ko-Kore-KR" altLang="en-US" dirty="0"/>
           </a:p>
@@ -5775,6 +5875,401 @@
               <a:t>4</a:t>
             </a:fld>
             <a:endParaRPr kumimoji="1" lang="ko-Kore-KR" altLang="en-US"/>
+          </a:p>
+        </p:txBody>
+      </p:sp>
+      <p:sp>
+        <p:nvSpPr>
+          <p:cNvPr id="3" name="TextBox 2">
+            <a:extLst>
+              <a:ext uri="{FF2B5EF4-FFF2-40B4-BE49-F238E27FC236}">
+                <a16:creationId xmlns:a16="http://schemas.microsoft.com/office/drawing/2014/main" id="{D00D7AF0-6011-10D4-2340-73D8DF52B676}"/>
+              </a:ext>
+            </a:extLst>
+          </p:cNvPr>
+          <p:cNvSpPr txBox="1"/>
+          <p:nvPr/>
+        </p:nvSpPr>
+        <p:spPr>
+          <a:xfrm>
+            <a:off x="794657" y="783771"/>
+            <a:ext cx="11463266" cy="5232202"/>
+          </a:xfrm>
+          <a:prstGeom prst="rect">
+            <a:avLst/>
+          </a:prstGeom>
+          <a:noFill/>
+        </p:spPr>
+        <p:txBody>
+          <a:bodyPr wrap="none" rtlCol="0">
+            <a:spAutoFit/>
+          </a:bodyPr>
+          <a:lstStyle/>
+          <a:p>
+            <a:pPr marL="285750" indent="-285750">
+              <a:lnSpc>
+                <a:spcPct val="150000"/>
+              </a:lnSpc>
+              <a:buFont typeface="Arial" panose="020B0604020202020204" pitchFamily="34" charset="0"/>
+              <a:buChar char="•"/>
+            </a:pPr>
+            <a:r>
+              <a:rPr kumimoji="1" lang="en-US" altLang="ko-Kore-KR" dirty="0"/>
+              <a:t>Configuration</a:t>
+            </a:r>
+          </a:p>
+          <a:p>
+            <a:pPr marL="742950" lvl="1" indent="-285750">
+              <a:lnSpc>
+                <a:spcPct val="150000"/>
+              </a:lnSpc>
+              <a:buFont typeface="Arial" panose="020B0604020202020204" pitchFamily="34" charset="0"/>
+              <a:buChar char="•"/>
+            </a:pPr>
+            <a:r>
+              <a:rPr kumimoji="1" lang="en-US" altLang="ko-Kore-KR" dirty="0"/>
+              <a:t>Architecture: Generate architecture according to input </a:t>
+            </a:r>
+            <a:r>
+              <a:rPr kumimoji="1" lang="en-US" altLang="ko-Kore-KR" dirty="0" err="1"/>
+              <a:t>json</a:t>
+            </a:r>
+            <a:r>
+              <a:rPr kumimoji="1" lang="en-US" altLang="ko-Kore-KR" dirty="0"/>
+              <a:t> contained topology, core capacity etc.</a:t>
+            </a:r>
+          </a:p>
+          <a:p>
+            <a:pPr marL="742950" lvl="1" indent="-285750">
+              <a:lnSpc>
+                <a:spcPct val="150000"/>
+              </a:lnSpc>
+              <a:buFont typeface="Arial" panose="020B0604020202020204" pitchFamily="34" charset="0"/>
+              <a:buChar char="•"/>
+            </a:pPr>
+            <a:r>
+              <a:rPr kumimoji="1" lang="en-US" altLang="ko-Kore-KR" dirty="0"/>
+              <a:t>Operation: operation duration, fidelity etc.</a:t>
+            </a:r>
+          </a:p>
+          <a:p>
+            <a:pPr marL="742950" lvl="1" indent="-285750">
+              <a:lnSpc>
+                <a:spcPct val="150000"/>
+              </a:lnSpc>
+              <a:buFont typeface="Arial" panose="020B0604020202020204" pitchFamily="34" charset="0"/>
+              <a:buChar char="•"/>
+            </a:pPr>
+            <a:r>
+              <a:rPr kumimoji="1" lang="en-US" altLang="ko-Kore-KR" dirty="0"/>
+              <a:t>Communication: Shuttling duration, heating rate etc.</a:t>
+            </a:r>
+          </a:p>
+          <a:p>
+            <a:pPr marL="285750" indent="-285750">
+              <a:lnSpc>
+                <a:spcPct val="150000"/>
+              </a:lnSpc>
+              <a:buFont typeface="Arial" panose="020B0604020202020204" pitchFamily="34" charset="0"/>
+              <a:buChar char="•"/>
+            </a:pPr>
+            <a:r>
+              <a:rPr kumimoji="1" lang="en-US" altLang="ko-Kore-KR" dirty="0"/>
+              <a:t>Communication Protocol: drawing shuttling path, checking communication qubit etc.</a:t>
+            </a:r>
+          </a:p>
+          <a:p>
+            <a:pPr marL="285750" indent="-285750">
+              <a:lnSpc>
+                <a:spcPct val="150000"/>
+              </a:lnSpc>
+              <a:buFont typeface="Arial" panose="020B0604020202020204" pitchFamily="34" charset="0"/>
+              <a:buChar char="•"/>
+            </a:pPr>
+            <a:r>
+              <a:rPr kumimoji="1" lang="en-US" altLang="ko-Kore-KR" dirty="0"/>
+              <a:t>Mapping: one-to-one mapping to physical qubit from circuit qubit (NOT optimized, Simply mapping)</a:t>
+            </a:r>
+          </a:p>
+          <a:p>
+            <a:pPr marL="285750" indent="-285750">
+              <a:buFont typeface="Arial" panose="020B0604020202020204" pitchFamily="34" charset="0"/>
+              <a:buChar char="•"/>
+            </a:pPr>
+            <a:r>
+              <a:rPr kumimoji="1" lang="en-US" altLang="ko-Kore-KR" dirty="0"/>
+              <a:t>Simulator</a:t>
+            </a:r>
+          </a:p>
+          <a:p>
+            <a:pPr marL="742950" lvl="1" indent="-285750">
+              <a:buFont typeface="Arial" panose="020B0604020202020204" pitchFamily="34" charset="0"/>
+              <a:buChar char="•"/>
+            </a:pPr>
+            <a:r>
+              <a:rPr lang="en" altLang="ko-Kore-KR" sz="1400" b="0" dirty="0">
+                <a:effectLst/>
+              </a:rPr>
+              <a:t>run: start simulator</a:t>
+            </a:r>
+          </a:p>
+          <a:p>
+            <a:pPr marL="742950" lvl="1" indent="-285750">
+              <a:buFont typeface="Arial" panose="020B0604020202020204" pitchFamily="34" charset="0"/>
+              <a:buChar char="•"/>
+            </a:pPr>
+            <a:r>
+              <a:rPr lang="en" altLang="ko-Kore-KR" sz="1400" b="0" dirty="0" err="1">
+                <a:effectLst/>
+              </a:rPr>
+              <a:t>executeCircuit</a:t>
+            </a:r>
+            <a:r>
+              <a:rPr lang="en" altLang="ko-Kore-KR" sz="1400" b="0" dirty="0">
+                <a:effectLst/>
+              </a:rPr>
+              <a:t>: execute the input circuit with counting reference time and loop</a:t>
+            </a:r>
+          </a:p>
+          <a:p>
+            <a:pPr marL="742950" lvl="1" indent="-285750">
+              <a:buFont typeface="Arial" panose="020B0604020202020204" pitchFamily="34" charset="0"/>
+              <a:buChar char="•"/>
+            </a:pPr>
+            <a:r>
+              <a:rPr lang="en" altLang="ko-Kore-KR" sz="1400" b="0" dirty="0" err="1">
+                <a:effectLst/>
+              </a:rPr>
+              <a:t>evaluateResult</a:t>
+            </a:r>
+            <a:r>
+              <a:rPr lang="en" altLang="ko-Kore-KR" sz="1400" b="0" dirty="0">
+                <a:effectLst/>
+              </a:rPr>
+              <a:t>: evaluate the circuit result (execution time, heating rate, shuttling number)</a:t>
+            </a:r>
+          </a:p>
+          <a:p>
+            <a:pPr marL="742950" lvl="1" indent="-285750">
+              <a:buFont typeface="Arial" panose="020B0604020202020204" pitchFamily="34" charset="0"/>
+              <a:buChar char="•"/>
+            </a:pPr>
+            <a:r>
+              <a:rPr lang="en" altLang="ko-Kore-KR" sz="1400" b="0" dirty="0" err="1">
+                <a:effectLst/>
+              </a:rPr>
+              <a:t>printResult</a:t>
+            </a:r>
+            <a:r>
+              <a:rPr lang="en" altLang="ko-Kore-KR" sz="1400" b="0" dirty="0">
+                <a:effectLst/>
+              </a:rPr>
+              <a:t>: print result</a:t>
+            </a:r>
+          </a:p>
+          <a:p>
+            <a:pPr marL="742950" lvl="1" indent="-285750">
+              <a:buFont typeface="Arial" panose="020B0604020202020204" pitchFamily="34" charset="0"/>
+              <a:buChar char="•"/>
+            </a:pPr>
+            <a:r>
+              <a:rPr lang="en" altLang="ko-Kore-KR" sz="1400" dirty="0"/>
+              <a:t>in  while execute</a:t>
+            </a:r>
+            <a:endParaRPr lang="en" altLang="ko-Kore-KR" sz="1400" b="0" dirty="0">
+              <a:effectLst/>
+            </a:endParaRPr>
+          </a:p>
+          <a:p>
+            <a:pPr marL="1200150" lvl="2" indent="-285750">
+              <a:buFont typeface="Arial" panose="020B0604020202020204" pitchFamily="34" charset="0"/>
+              <a:buChar char="•"/>
+            </a:pPr>
+            <a:r>
+              <a:rPr lang="en" altLang="ko-Kore-KR" sz="1400" b="0" dirty="0" err="1">
+                <a:effectLst/>
+              </a:rPr>
+              <a:t>checkNeedCommunication</a:t>
+            </a:r>
+            <a:r>
+              <a:rPr lang="en" altLang="ko-Kore-KR" sz="1400" b="0" dirty="0">
+                <a:effectLst/>
+              </a:rPr>
+              <a:t>: If true -&gt; </a:t>
+            </a:r>
+            <a:r>
+              <a:rPr lang="en" altLang="ko-Kore-KR" sz="1400" dirty="0"/>
+              <a:t>Shuttling</a:t>
+            </a:r>
+          </a:p>
+          <a:p>
+            <a:pPr marL="1200150" lvl="2" indent="-285750">
+              <a:buFont typeface="Arial" panose="020B0604020202020204" pitchFamily="34" charset="0"/>
+              <a:buChar char="•"/>
+            </a:pPr>
+            <a:r>
+              <a:rPr lang="en" altLang="ko-Kore-KR" sz="1400" b="0" dirty="0" err="1">
+                <a:effectLst/>
+              </a:rPr>
+              <a:t>checkEndOperation</a:t>
+            </a:r>
+            <a:r>
+              <a:rPr lang="en-US" altLang="ko-KR" sz="1400" b="0" dirty="0">
+                <a:effectLst/>
+              </a:rPr>
+              <a:t>:</a:t>
+            </a:r>
+            <a:r>
+              <a:rPr lang="ko-KR" altLang="en-US" sz="1400" b="0" dirty="0">
+                <a:effectLst/>
+              </a:rPr>
+              <a:t> </a:t>
+            </a:r>
+            <a:r>
+              <a:rPr lang="en-US" altLang="ko-KR" sz="1400" b="0" dirty="0">
+                <a:effectLst/>
+              </a:rPr>
+              <a:t>check reference time &gt; qubit time. If true -&gt; execute next operation</a:t>
+            </a:r>
+            <a:endParaRPr lang="en" altLang="ko-Kore-KR" sz="1400" b="0" dirty="0">
+              <a:effectLst/>
+            </a:endParaRPr>
+          </a:p>
+          <a:p>
+            <a:pPr marL="1200150" lvl="2" indent="-285750">
+              <a:buFont typeface="Arial" panose="020B0604020202020204" pitchFamily="34" charset="0"/>
+              <a:buChar char="•"/>
+            </a:pPr>
+            <a:r>
+              <a:rPr lang="en" altLang="ko-Kore-KR" sz="1400" b="0" dirty="0" err="1">
+                <a:effectLst/>
+              </a:rPr>
+              <a:t>executeOperation</a:t>
+            </a:r>
+            <a:r>
+              <a:rPr lang="en-US" altLang="ko-KR" sz="1400" b="0" dirty="0">
+                <a:effectLst/>
+              </a:rPr>
+              <a:t>:</a:t>
+            </a:r>
+            <a:r>
+              <a:rPr lang="ko-KR" altLang="en-US" sz="1400" b="0" dirty="0">
+                <a:effectLst/>
+              </a:rPr>
+              <a:t> </a:t>
+            </a:r>
+            <a:r>
+              <a:rPr lang="en-US" altLang="ko-KR" sz="1400" b="0" dirty="0">
+                <a:effectLst/>
+              </a:rPr>
+              <a:t>check the operation type. If 2-qubit gate</a:t>
+            </a:r>
+            <a:r>
+              <a:rPr lang="ko-KR" altLang="en-US" sz="1400" b="0" dirty="0">
+                <a:effectLst/>
+              </a:rPr>
+              <a:t> </a:t>
+            </a:r>
+            <a:r>
+              <a:rPr lang="en-US" altLang="ko-KR" sz="1400" b="0" dirty="0">
+                <a:effectLst/>
+              </a:rPr>
+              <a:t>-&gt;</a:t>
+            </a:r>
+            <a:r>
+              <a:rPr lang="ko-KR" altLang="en-US" sz="1400" b="0" dirty="0">
+                <a:effectLst/>
+              </a:rPr>
+              <a:t> </a:t>
+            </a:r>
+            <a:r>
+              <a:rPr lang="en-US" altLang="ko-KR" sz="1400" b="0" dirty="0" err="1">
+                <a:effectLst/>
+              </a:rPr>
+              <a:t>checkNeedCommunication</a:t>
+            </a:r>
+            <a:r>
+              <a:rPr lang="en-US" altLang="ko-KR" sz="1400" dirty="0"/>
+              <a:t>. “execute” is adding</a:t>
+            </a:r>
+            <a:r>
+              <a:rPr lang="ko-KR" altLang="en-US" sz="1400" dirty="0"/>
+              <a:t> </a:t>
+            </a:r>
+            <a:r>
+              <a:rPr lang="en-US" altLang="ko-KR" sz="1400" dirty="0"/>
+              <a:t>gate duration to qubit time.</a:t>
+            </a:r>
+          </a:p>
+          <a:p>
+            <a:pPr marL="1657350" lvl="3" indent="-285750">
+              <a:buFont typeface="Arial" panose="020B0604020202020204" pitchFamily="34" charset="0"/>
+              <a:buChar char="•"/>
+            </a:pPr>
+            <a:r>
+              <a:rPr lang="en-US" altLang="ko-Kore-KR" sz="1400" b="0" dirty="0">
+                <a:effectLst/>
+              </a:rPr>
+              <a:t>In QCCD: If prepared shuttling but during the other shuttling</a:t>
+            </a:r>
+            <a:r>
+              <a:rPr lang="en-US" altLang="ko-Kore-KR" sz="1400" dirty="0"/>
+              <a:t> -&gt; dwell time</a:t>
+            </a:r>
+          </a:p>
+          <a:p>
+            <a:pPr marL="1200150" lvl="2" indent="-285750">
+              <a:buFont typeface="Arial" panose="020B0604020202020204" pitchFamily="34" charset="0"/>
+              <a:buChar char="•"/>
+            </a:pPr>
+            <a:r>
+              <a:rPr lang="en" altLang="ko-Kore-KR" sz="1400" b="0" dirty="0" err="1">
+                <a:effectLst/>
+              </a:rPr>
+              <a:t>executeShuttlingByLayer</a:t>
+            </a:r>
+            <a:r>
+              <a:rPr lang="en" altLang="ko-Kore-KR" sz="1400" b="0" dirty="0">
+                <a:effectLst/>
+              </a:rPr>
+              <a:t>: execute all prepared shuttling at once</a:t>
+            </a:r>
+            <a:r>
+              <a:rPr lang="ko-KR" altLang="en-US" sz="1400" b="0" dirty="0">
+                <a:effectLst/>
+              </a:rPr>
+              <a:t> </a:t>
+            </a:r>
+            <a:r>
+              <a:rPr lang="en-US" altLang="ko-KR" sz="1400" b="0" dirty="0">
+                <a:effectLst/>
+              </a:rPr>
+              <a:t>(</a:t>
+            </a:r>
+            <a:r>
+              <a:rPr lang="en" altLang="ko-Kore-KR" sz="1400" b="0" dirty="0">
+                <a:effectLst/>
+              </a:rPr>
+              <a:t>Only Q-bus</a:t>
+            </a:r>
+            <a:r>
+              <a:rPr lang="en-US" altLang="ko-KR" sz="1400" b="0" dirty="0">
+                <a:effectLst/>
+              </a:rPr>
+              <a:t>)</a:t>
+            </a:r>
+            <a:endParaRPr lang="en" altLang="ko-Kore-KR" sz="1400" b="0" dirty="0">
+              <a:effectLst/>
+            </a:endParaRPr>
+          </a:p>
+          <a:p>
+            <a:pPr marL="1200150" lvl="2" indent="-285750">
+              <a:buFont typeface="Arial" panose="020B0604020202020204" pitchFamily="34" charset="0"/>
+              <a:buChar char="•"/>
+            </a:pPr>
+            <a:endParaRPr lang="en" altLang="ko-Kore-KR" sz="1400" b="0" dirty="0">
+              <a:effectLst/>
+            </a:endParaRPr>
           </a:p>
         </p:txBody>
       </p:sp>
@@ -5830,12 +6325,8 @@
           <a:lstStyle/>
           <a:p>
             <a:r>
-              <a:rPr kumimoji="1" lang="en-US" altLang="ko-Kore-KR" dirty="0"/>
-              <a:t>1</a:t>
-            </a:r>
-            <a:r>
               <a:rPr kumimoji="1" lang="en-US" altLang="ko-KR" dirty="0"/>
-              <a:t>.</a:t>
+              <a:t>3.</a:t>
             </a:r>
             <a:r>
               <a:rPr kumimoji="1" lang="ko-KR" altLang="en-US" dirty="0"/>
@@ -5843,7 +6334,7 @@
             </a:r>
             <a:r>
               <a:rPr kumimoji="1" lang="en-US" altLang="ko-KR" dirty="0"/>
-              <a:t>Chapter one</a:t>
+              <a:t>Assumption</a:t>
             </a:r>
             <a:endParaRPr kumimoji="1" lang="ko-Kore-KR" altLang="en-US" dirty="0"/>
           </a:p>
@@ -5878,10 +6369,2540 @@
           </a:p>
         </p:txBody>
       </p:sp>
+      <p:sp>
+        <p:nvSpPr>
+          <p:cNvPr id="3" name="TextBox 2">
+            <a:extLst>
+              <a:ext uri="{FF2B5EF4-FFF2-40B4-BE49-F238E27FC236}">
+                <a16:creationId xmlns:a16="http://schemas.microsoft.com/office/drawing/2014/main" id="{BB21411D-EB74-77CB-4006-F45A180A14E7}"/>
+              </a:ext>
+            </a:extLst>
+          </p:cNvPr>
+          <p:cNvSpPr txBox="1"/>
+          <p:nvPr/>
+        </p:nvSpPr>
+        <p:spPr>
+          <a:xfrm>
+            <a:off x="653143" y="1589314"/>
+            <a:ext cx="6073266" cy="3693319"/>
+          </a:xfrm>
+          <a:prstGeom prst="rect">
+            <a:avLst/>
+          </a:prstGeom>
+          <a:noFill/>
+        </p:spPr>
+        <p:txBody>
+          <a:bodyPr wrap="none" rtlCol="0">
+            <a:spAutoFit/>
+          </a:bodyPr>
+          <a:lstStyle/>
+          <a:p>
+            <a:pPr marL="285750" indent="-285750">
+              <a:buFont typeface="Arial" panose="020B0604020202020204" pitchFamily="34" charset="0"/>
+              <a:buChar char="•"/>
+            </a:pPr>
+            <a:r>
+              <a:rPr kumimoji="1" lang="en-US" altLang="ko-Kore-KR" dirty="0"/>
+              <a:t>Common</a:t>
+            </a:r>
+          </a:p>
+          <a:p>
+            <a:pPr marL="742950" lvl="1" indent="-285750">
+              <a:buFont typeface="Arial" panose="020B0604020202020204" pitchFamily="34" charset="0"/>
+              <a:buChar char="•"/>
+            </a:pPr>
+            <a:r>
+              <a:rPr kumimoji="1" lang="en-US" altLang="ko-Kore-KR" dirty="0"/>
+              <a:t>without Compiler Optimization</a:t>
+            </a:r>
+          </a:p>
+          <a:p>
+            <a:pPr marL="742950" lvl="1" indent="-285750">
+              <a:buFont typeface="Arial" panose="020B0604020202020204" pitchFamily="34" charset="0"/>
+              <a:buChar char="•"/>
+            </a:pPr>
+            <a:r>
+              <a:rPr kumimoji="1" lang="en-US" altLang="ko-Kore-KR" dirty="0"/>
+              <a:t>without considering commute</a:t>
+            </a:r>
+          </a:p>
+          <a:p>
+            <a:pPr marL="742950" lvl="1" indent="-285750">
+              <a:buFont typeface="Arial" panose="020B0604020202020204" pitchFamily="34" charset="0"/>
+              <a:buChar char="•"/>
+            </a:pPr>
+            <a:r>
+              <a:rPr kumimoji="1" lang="en-US" altLang="ko-Kore-KR" dirty="0"/>
+              <a:t>all one-qubit gate can be parallel</a:t>
+            </a:r>
+          </a:p>
+          <a:p>
+            <a:pPr marL="285750" indent="-285750">
+              <a:buFont typeface="Arial" panose="020B0604020202020204" pitchFamily="34" charset="0"/>
+              <a:buChar char="•"/>
+            </a:pPr>
+            <a:endParaRPr kumimoji="1" lang="en-US" altLang="ko-Kore-KR" dirty="0"/>
+          </a:p>
+          <a:p>
+            <a:pPr marL="285750" indent="-285750">
+              <a:buFont typeface="Arial" panose="020B0604020202020204" pitchFamily="34" charset="0"/>
+              <a:buChar char="•"/>
+            </a:pPr>
+            <a:r>
+              <a:rPr kumimoji="1" lang="en-US" altLang="ko-Kore-KR" dirty="0"/>
+              <a:t>QCCD</a:t>
+            </a:r>
+          </a:p>
+          <a:p>
+            <a:pPr marL="742950" lvl="1" indent="-285750">
+              <a:buFont typeface="Arial" panose="020B0604020202020204" pitchFamily="34" charset="0"/>
+              <a:buChar char="•"/>
+            </a:pPr>
+            <a:r>
+              <a:rPr kumimoji="1" lang="en-US" altLang="ko-Kore-KR" dirty="0"/>
+              <a:t>Symmetric configuration: going and returning shuttling</a:t>
+            </a:r>
+          </a:p>
+          <a:p>
+            <a:pPr marL="742950" lvl="1" indent="-285750">
+              <a:buFont typeface="Arial" panose="020B0604020202020204" pitchFamily="34" charset="0"/>
+              <a:buChar char="•"/>
+            </a:pPr>
+            <a:r>
+              <a:rPr kumimoji="1" lang="en-US" altLang="ko-Kore-KR" dirty="0"/>
+              <a:t>unlimited core capacity</a:t>
+            </a:r>
+          </a:p>
+          <a:p>
+            <a:pPr marL="742950" lvl="1" indent="-285750">
+              <a:buFont typeface="Arial" panose="020B0604020202020204" pitchFamily="34" charset="0"/>
+              <a:buChar char="•"/>
+            </a:pPr>
+            <a:r>
+              <a:rPr kumimoji="1" lang="en-US" altLang="ko-Kore-KR" dirty="0"/>
+              <a:t>only one qubit shuttling at once</a:t>
+            </a:r>
+          </a:p>
+          <a:p>
+            <a:pPr marL="285750" indent="-285750">
+              <a:buFont typeface="Arial" panose="020B0604020202020204" pitchFamily="34" charset="0"/>
+              <a:buChar char="•"/>
+            </a:pPr>
+            <a:r>
+              <a:rPr kumimoji="1" lang="en-US" altLang="ko-Kore-KR" dirty="0"/>
+              <a:t>Q-bus</a:t>
+            </a:r>
+          </a:p>
+          <a:p>
+            <a:pPr marL="742950" lvl="1" indent="-285750">
+              <a:buFont typeface="Arial" panose="020B0604020202020204" pitchFamily="34" charset="0"/>
+              <a:buChar char="•"/>
+            </a:pPr>
+            <a:r>
+              <a:rPr kumimoji="1" lang="en-US" altLang="ko-Kore-KR" dirty="0"/>
+              <a:t>complete pipelining up to merging target core</a:t>
+            </a:r>
+          </a:p>
+          <a:p>
+            <a:pPr marL="742950" lvl="1" indent="-285750">
+              <a:buFont typeface="Arial" panose="020B0604020202020204" pitchFamily="34" charset="0"/>
+              <a:buChar char="•"/>
+            </a:pPr>
+            <a:r>
+              <a:rPr kumimoji="1" lang="en-US" altLang="ko-Kore-KR" dirty="0"/>
+              <a:t>always layer shuttling</a:t>
+            </a:r>
+          </a:p>
+          <a:p>
+            <a:pPr marL="285750" indent="-285750">
+              <a:buFont typeface="Arial" panose="020B0604020202020204" pitchFamily="34" charset="0"/>
+              <a:buChar char="•"/>
+            </a:pPr>
+            <a:endParaRPr kumimoji="1" lang="ko-Kore-KR" altLang="en-US" dirty="0"/>
+          </a:p>
+        </p:txBody>
+      </p:sp>
+    </p:spTree>
+    <p:extLst>
+      <p:ext uri="{BB962C8B-B14F-4D97-AF65-F5344CB8AC3E}">
+        <p14:creationId xmlns:p14="http://schemas.microsoft.com/office/powerpoint/2010/main" val="182321329"/>
+      </p:ext>
+    </p:extLst>
+  </p:cSld>
+  <p:clrMapOvr>
+    <a:masterClrMapping/>
+  </p:clrMapOvr>
+</p:sld>
+</file>
+
+<file path=ppt/slides/slide6.xml><?xml version="1.0" encoding="utf-8"?>
+<p:sld xmlns:a="http://schemas.openxmlformats.org/drawingml/2006/main" xmlns:r="http://schemas.openxmlformats.org/officeDocument/2006/relationships" xmlns:p="http://schemas.openxmlformats.org/presentationml/2006/main">
+  <p:cSld>
+    <p:spTree>
+      <p:nvGrpSpPr>
+        <p:cNvPr id="1" name=""/>
+        <p:cNvGrpSpPr/>
+        <p:nvPr/>
+      </p:nvGrpSpPr>
+      <p:grpSpPr>
+        <a:xfrm>
+          <a:off x="0" y="0"/>
+          <a:ext cx="0" cy="0"/>
+          <a:chOff x="0" y="0"/>
+          <a:chExt cx="0" cy="0"/>
+        </a:xfrm>
+      </p:grpSpPr>
+      <p:sp>
+        <p:nvSpPr>
+          <p:cNvPr id="2" name="내용 개체 틀 1">
+            <a:extLst>
+              <a:ext uri="{FF2B5EF4-FFF2-40B4-BE49-F238E27FC236}">
+                <a16:creationId xmlns:a16="http://schemas.microsoft.com/office/drawing/2014/main" id="{4B38E85C-3064-8D47-BCAD-CFA7C8AAE55F}"/>
+              </a:ext>
+            </a:extLst>
+          </p:cNvPr>
+          <p:cNvSpPr>
+            <a:spLocks noGrp="1"/>
+          </p:cNvSpPr>
+          <p:nvPr>
+            <p:ph sz="quarter" idx="13"/>
+          </p:nvPr>
+        </p:nvSpPr>
+        <p:spPr/>
+        <p:txBody>
+          <a:bodyPr/>
+          <a:lstStyle/>
+          <a:p>
+            <a:r>
+              <a:rPr kumimoji="1" lang="en-US" altLang="ko-KR" dirty="0"/>
+              <a:t>4.</a:t>
+            </a:r>
+            <a:r>
+              <a:rPr kumimoji="1" lang="ko-KR" altLang="en-US" dirty="0"/>
+              <a:t> </a:t>
+            </a:r>
+            <a:r>
+              <a:rPr kumimoji="1" lang="en-US" altLang="ko-KR" dirty="0"/>
+              <a:t>Test Circuit</a:t>
+            </a:r>
+            <a:endParaRPr kumimoji="1" lang="ko-Kore-KR" altLang="en-US" dirty="0"/>
+          </a:p>
+        </p:txBody>
+      </p:sp>
+      <p:sp>
+        <p:nvSpPr>
+          <p:cNvPr id="19" name="슬라이드 번호 개체 틀 18">
+            <a:extLst>
+              <a:ext uri="{FF2B5EF4-FFF2-40B4-BE49-F238E27FC236}">
+                <a16:creationId xmlns:a16="http://schemas.microsoft.com/office/drawing/2014/main" id="{DA011232-7764-A649-9C7E-AD1590BBB5B9}"/>
+              </a:ext>
+            </a:extLst>
+          </p:cNvPr>
+          <p:cNvSpPr>
+            <a:spLocks noGrp="1"/>
+          </p:cNvSpPr>
+          <p:nvPr>
+            <p:ph type="sldNum" sz="quarter" idx="12"/>
+          </p:nvPr>
+        </p:nvSpPr>
+        <p:spPr/>
+        <p:txBody>
+          <a:bodyPr/>
+          <a:lstStyle/>
+          <a:p>
+            <a:fld id="{AB63B532-9832-1249-9E64-2BDCF6AB4178}" type="slidenum">
+              <a:rPr kumimoji="1" lang="ko-Kore-KR" altLang="en-US" smtClean="0"/>
+              <a:t>6</a:t>
+            </a:fld>
+            <a:endParaRPr kumimoji="1" lang="ko-Kore-KR" altLang="en-US"/>
+          </a:p>
+        </p:txBody>
+      </p:sp>
+      <p:grpSp>
+        <p:nvGrpSpPr>
+          <p:cNvPr id="59" name="그룹 58">
+            <a:extLst>
+              <a:ext uri="{FF2B5EF4-FFF2-40B4-BE49-F238E27FC236}">
+                <a16:creationId xmlns:a16="http://schemas.microsoft.com/office/drawing/2014/main" id="{326B8AFD-F892-A03A-220A-A929E1435E81}"/>
+              </a:ext>
+            </a:extLst>
+          </p:cNvPr>
+          <p:cNvGrpSpPr/>
+          <p:nvPr/>
+        </p:nvGrpSpPr>
+        <p:grpSpPr>
+          <a:xfrm>
+            <a:off x="2978391" y="1252565"/>
+            <a:ext cx="1584665" cy="1531365"/>
+            <a:chOff x="333512" y="828057"/>
+            <a:chExt cx="1584665" cy="1531365"/>
+          </a:xfrm>
+        </p:grpSpPr>
+        <p:grpSp>
+          <p:nvGrpSpPr>
+            <p:cNvPr id="33" name="그룹 32">
+              <a:extLst>
+                <a:ext uri="{FF2B5EF4-FFF2-40B4-BE49-F238E27FC236}">
+                  <a16:creationId xmlns:a16="http://schemas.microsoft.com/office/drawing/2014/main" id="{FFF16E68-5C37-0D8F-0B41-FFC94551F9D2}"/>
+                </a:ext>
+              </a:extLst>
+            </p:cNvPr>
+            <p:cNvGrpSpPr/>
+            <p:nvPr/>
+          </p:nvGrpSpPr>
+          <p:grpSpPr>
+            <a:xfrm>
+              <a:off x="333512" y="828057"/>
+              <a:ext cx="1584665" cy="1324956"/>
+              <a:chOff x="333512" y="828057"/>
+              <a:chExt cx="1584665" cy="1324956"/>
+            </a:xfrm>
+          </p:grpSpPr>
+          <p:grpSp>
+            <p:nvGrpSpPr>
+              <p:cNvPr id="10" name="그룹 9">
+                <a:extLst>
+                  <a:ext uri="{FF2B5EF4-FFF2-40B4-BE49-F238E27FC236}">
+                    <a16:creationId xmlns:a16="http://schemas.microsoft.com/office/drawing/2014/main" id="{BC9D6799-EBED-E405-5414-D5CDB8155D3C}"/>
+                  </a:ext>
+                </a:extLst>
+              </p:cNvPr>
+              <p:cNvGrpSpPr/>
+              <p:nvPr/>
+            </p:nvGrpSpPr>
+            <p:grpSpPr>
+              <a:xfrm>
+                <a:off x="874045" y="1012723"/>
+                <a:ext cx="1044132" cy="725541"/>
+                <a:chOff x="874045" y="1012723"/>
+                <a:chExt cx="3570136" cy="725541"/>
+              </a:xfrm>
+            </p:grpSpPr>
+            <p:cxnSp>
+              <p:nvCxnSpPr>
+                <p:cNvPr id="7" name="직선 연결선[R] 6">
+                  <a:extLst>
+                    <a:ext uri="{FF2B5EF4-FFF2-40B4-BE49-F238E27FC236}">
+                      <a16:creationId xmlns:a16="http://schemas.microsoft.com/office/drawing/2014/main" id="{8E5E86F2-AC48-E65C-4080-6266368D5894}"/>
+                    </a:ext>
+                  </a:extLst>
+                </p:cNvPr>
+                <p:cNvCxnSpPr/>
+                <p:nvPr/>
+              </p:nvCxnSpPr>
+              <p:spPr>
+                <a:xfrm>
+                  <a:off x="874046" y="1012723"/>
+                  <a:ext cx="3570135" cy="0"/>
+                </a:xfrm>
+                <a:prstGeom prst="line">
+                  <a:avLst/>
+                </a:prstGeom>
+                <a:ln w="25400">
+                  <a:solidFill>
+                    <a:schemeClr val="tx1">
+                      <a:lumMod val="50000"/>
+                      <a:lumOff val="50000"/>
+                    </a:schemeClr>
+                  </a:solidFill>
+                </a:ln>
+              </p:spPr>
+              <p:style>
+                <a:lnRef idx="1">
+                  <a:schemeClr val="accent1"/>
+                </a:lnRef>
+                <a:fillRef idx="0">
+                  <a:schemeClr val="accent1"/>
+                </a:fillRef>
+                <a:effectRef idx="0">
+                  <a:schemeClr val="accent1"/>
+                </a:effectRef>
+                <a:fontRef idx="minor">
+                  <a:schemeClr val="tx1"/>
+                </a:fontRef>
+              </p:style>
+            </p:cxnSp>
+            <p:cxnSp>
+              <p:nvCxnSpPr>
+                <p:cNvPr id="8" name="직선 연결선[R] 7">
+                  <a:extLst>
+                    <a:ext uri="{FF2B5EF4-FFF2-40B4-BE49-F238E27FC236}">
+                      <a16:creationId xmlns:a16="http://schemas.microsoft.com/office/drawing/2014/main" id="{BD6FF815-2E3D-7612-501A-CA2A48AEB58B}"/>
+                    </a:ext>
+                  </a:extLst>
+                </p:cNvPr>
+                <p:cNvCxnSpPr/>
+                <p:nvPr/>
+              </p:nvCxnSpPr>
+              <p:spPr>
+                <a:xfrm>
+                  <a:off x="874045" y="1738264"/>
+                  <a:ext cx="3570135" cy="0"/>
+                </a:xfrm>
+                <a:prstGeom prst="line">
+                  <a:avLst/>
+                </a:prstGeom>
+                <a:ln w="25400">
+                  <a:solidFill>
+                    <a:schemeClr val="tx1">
+                      <a:lumMod val="50000"/>
+                      <a:lumOff val="50000"/>
+                    </a:schemeClr>
+                  </a:solidFill>
+                </a:ln>
+              </p:spPr>
+              <p:style>
+                <a:lnRef idx="1">
+                  <a:schemeClr val="accent1"/>
+                </a:lnRef>
+                <a:fillRef idx="0">
+                  <a:schemeClr val="accent1"/>
+                </a:fillRef>
+                <a:effectRef idx="0">
+                  <a:schemeClr val="accent1"/>
+                </a:effectRef>
+                <a:fontRef idx="minor">
+                  <a:schemeClr val="tx1"/>
+                </a:fontRef>
+              </p:style>
+            </p:cxnSp>
+          </p:grpSp>
+          <p:sp>
+            <p:nvSpPr>
+              <p:cNvPr id="17" name="TextBox 16">
+                <a:extLst>
+                  <a:ext uri="{FF2B5EF4-FFF2-40B4-BE49-F238E27FC236}">
+                    <a16:creationId xmlns:a16="http://schemas.microsoft.com/office/drawing/2014/main" id="{84381ADD-8FA3-E8C9-5089-F02084E69B0D}"/>
+                  </a:ext>
+                </a:extLst>
+              </p:cNvPr>
+              <p:cNvSpPr txBox="1"/>
+              <p:nvPr/>
+            </p:nvSpPr>
+            <p:spPr>
+              <a:xfrm>
+                <a:off x="333512" y="828057"/>
+                <a:ext cx="540533" cy="369332"/>
+              </a:xfrm>
+              <a:prstGeom prst="rect">
+                <a:avLst/>
+              </a:prstGeom>
+              <a:noFill/>
+            </p:spPr>
+            <p:txBody>
+              <a:bodyPr wrap="none" rtlCol="0">
+                <a:spAutoFit/>
+              </a:bodyPr>
+              <a:lstStyle/>
+              <a:p>
+                <a:r>
+                  <a:rPr kumimoji="1" lang="en-US" altLang="ko-KR" dirty="0"/>
+                  <a:t>q30</a:t>
+                </a:r>
+                <a:endParaRPr kumimoji="1" lang="ko-KR" altLang="en-US" dirty="0"/>
+              </a:p>
+            </p:txBody>
+          </p:sp>
+          <p:sp>
+            <p:nvSpPr>
+              <p:cNvPr id="18" name="TextBox 17">
+                <a:extLst>
+                  <a:ext uri="{FF2B5EF4-FFF2-40B4-BE49-F238E27FC236}">
+                    <a16:creationId xmlns:a16="http://schemas.microsoft.com/office/drawing/2014/main" id="{1C694777-A232-1AFC-73C1-C5D84AC01B65}"/>
+                  </a:ext>
+                </a:extLst>
+              </p:cNvPr>
+              <p:cNvSpPr txBox="1"/>
+              <p:nvPr/>
+            </p:nvSpPr>
+            <p:spPr>
+              <a:xfrm>
+                <a:off x="333512" y="1527734"/>
+                <a:ext cx="540533" cy="369332"/>
+              </a:xfrm>
+              <a:prstGeom prst="rect">
+                <a:avLst/>
+              </a:prstGeom>
+              <a:noFill/>
+            </p:spPr>
+            <p:txBody>
+              <a:bodyPr wrap="none" rtlCol="0">
+                <a:spAutoFit/>
+              </a:bodyPr>
+              <a:lstStyle/>
+              <a:p>
+                <a:r>
+                  <a:rPr kumimoji="1" lang="en-US" altLang="ko-KR" dirty="0"/>
+                  <a:t>q30</a:t>
+                </a:r>
+                <a:endParaRPr kumimoji="1" lang="ko-KR" altLang="en-US" dirty="0"/>
+              </a:p>
+            </p:txBody>
+          </p:sp>
+          <p:sp>
+            <p:nvSpPr>
+              <p:cNvPr id="20" name="타원 19">
+                <a:extLst>
+                  <a:ext uri="{FF2B5EF4-FFF2-40B4-BE49-F238E27FC236}">
+                    <a16:creationId xmlns:a16="http://schemas.microsoft.com/office/drawing/2014/main" id="{0E2AB0DE-B252-9AEA-7FF7-1A7DD9981C30}"/>
+                  </a:ext>
+                </a:extLst>
+              </p:cNvPr>
+              <p:cNvSpPr/>
+              <p:nvPr/>
+            </p:nvSpPr>
+            <p:spPr>
+              <a:xfrm>
+                <a:off x="1293859" y="962203"/>
+                <a:ext cx="106969" cy="106969"/>
+              </a:xfrm>
+              <a:prstGeom prst="ellipse">
+                <a:avLst/>
+              </a:prstGeom>
+              <a:solidFill>
+                <a:schemeClr val="tx1"/>
+              </a:solidFill>
+              <a:ln>
+                <a:noFill/>
+              </a:ln>
+            </p:spPr>
+            <p:style>
+              <a:lnRef idx="2">
+                <a:schemeClr val="accent1">
+                  <a:shade val="50000"/>
+                </a:schemeClr>
+              </a:lnRef>
+              <a:fillRef idx="1">
+                <a:schemeClr val="accent1"/>
+              </a:fillRef>
+              <a:effectRef idx="0">
+                <a:schemeClr val="accent1"/>
+              </a:effectRef>
+              <a:fontRef idx="minor">
+                <a:schemeClr val="lt1"/>
+              </a:fontRef>
+            </p:style>
+            <p:txBody>
+              <a:bodyPr rtlCol="0" anchor="ctr"/>
+              <a:lstStyle/>
+              <a:p>
+                <a:pPr algn="ctr"/>
+                <a:endParaRPr kumimoji="1" lang="ko-KR" altLang="en-US"/>
+              </a:p>
+            </p:txBody>
+          </p:sp>
+          <p:cxnSp>
+            <p:nvCxnSpPr>
+              <p:cNvPr id="21" name="직선 연결선[R] 20">
+                <a:extLst>
+                  <a:ext uri="{FF2B5EF4-FFF2-40B4-BE49-F238E27FC236}">
+                    <a16:creationId xmlns:a16="http://schemas.microsoft.com/office/drawing/2014/main" id="{AAC231B2-8AB5-D83E-7143-F1E4ECC536C1}"/>
+                  </a:ext>
+                </a:extLst>
+              </p:cNvPr>
+              <p:cNvCxnSpPr>
+                <a:cxnSpLocks/>
+                <a:endCxn id="23" idx="4"/>
+              </p:cNvCxnSpPr>
+              <p:nvPr/>
+            </p:nvCxnSpPr>
+            <p:spPr>
+              <a:xfrm>
+                <a:off x="1344614" y="1012723"/>
+                <a:ext cx="0" cy="893372"/>
+              </a:xfrm>
+              <a:prstGeom prst="line">
+                <a:avLst/>
+              </a:prstGeom>
+              <a:ln w="25400">
+                <a:solidFill>
+                  <a:schemeClr val="tx1"/>
+                </a:solidFill>
+              </a:ln>
+            </p:spPr>
+            <p:style>
+              <a:lnRef idx="1">
+                <a:schemeClr val="accent1"/>
+              </a:lnRef>
+              <a:fillRef idx="0">
+                <a:schemeClr val="accent1"/>
+              </a:fillRef>
+              <a:effectRef idx="0">
+                <a:schemeClr val="accent1"/>
+              </a:effectRef>
+              <a:fontRef idx="minor">
+                <a:schemeClr val="tx1"/>
+              </a:fontRef>
+            </p:style>
+          </p:cxnSp>
+          <p:grpSp>
+            <p:nvGrpSpPr>
+              <p:cNvPr id="27" name="그룹 26">
+                <a:extLst>
+                  <a:ext uri="{FF2B5EF4-FFF2-40B4-BE49-F238E27FC236}">
+                    <a16:creationId xmlns:a16="http://schemas.microsoft.com/office/drawing/2014/main" id="{BCB5E69C-F70E-FE2A-6719-672BB935239E}"/>
+                  </a:ext>
+                </a:extLst>
+              </p:cNvPr>
+              <p:cNvGrpSpPr/>
+              <p:nvPr/>
+            </p:nvGrpSpPr>
+            <p:grpSpPr>
+              <a:xfrm>
+                <a:off x="1176783" y="1570433"/>
+                <a:ext cx="335662" cy="335662"/>
+                <a:chOff x="2398617" y="1246035"/>
+                <a:chExt cx="376990" cy="376990"/>
+              </a:xfrm>
+            </p:grpSpPr>
+            <p:sp>
+              <p:nvSpPr>
+                <p:cNvPr id="23" name="타원 22">
+                  <a:extLst>
+                    <a:ext uri="{FF2B5EF4-FFF2-40B4-BE49-F238E27FC236}">
+                      <a16:creationId xmlns:a16="http://schemas.microsoft.com/office/drawing/2014/main" id="{1CF4BB28-998B-DEE2-F245-EB0D83731B32}"/>
+                    </a:ext>
+                  </a:extLst>
+                </p:cNvPr>
+                <p:cNvSpPr/>
+                <p:nvPr/>
+              </p:nvSpPr>
+              <p:spPr>
+                <a:xfrm>
+                  <a:off x="2398617" y="1246035"/>
+                  <a:ext cx="376990" cy="376990"/>
+                </a:xfrm>
+                <a:prstGeom prst="ellipse">
+                  <a:avLst/>
+                </a:prstGeom>
+                <a:noFill/>
+                <a:ln w="25400">
+                  <a:solidFill>
+                    <a:schemeClr val="tx1"/>
+                  </a:solidFill>
+                </a:ln>
+              </p:spPr>
+              <p:style>
+                <a:lnRef idx="2">
+                  <a:schemeClr val="accent1">
+                    <a:shade val="50000"/>
+                  </a:schemeClr>
+                </a:lnRef>
+                <a:fillRef idx="1">
+                  <a:schemeClr val="accent1"/>
+                </a:fillRef>
+                <a:effectRef idx="0">
+                  <a:schemeClr val="accent1"/>
+                </a:effectRef>
+                <a:fontRef idx="minor">
+                  <a:schemeClr val="lt1"/>
+                </a:fontRef>
+              </p:style>
+              <p:txBody>
+                <a:bodyPr rtlCol="0" anchor="ctr"/>
+                <a:lstStyle/>
+                <a:p>
+                  <a:pPr algn="ctr"/>
+                  <a:endParaRPr kumimoji="1" lang="ko-KR" altLang="en-US"/>
+                </a:p>
+              </p:txBody>
+            </p:sp>
+            <p:cxnSp>
+              <p:nvCxnSpPr>
+                <p:cNvPr id="24" name="직선 연결선[R] 23">
+                  <a:extLst>
+                    <a:ext uri="{FF2B5EF4-FFF2-40B4-BE49-F238E27FC236}">
+                      <a16:creationId xmlns:a16="http://schemas.microsoft.com/office/drawing/2014/main" id="{7F1ED917-81AC-AF25-0DF3-20AE44DC9034}"/>
+                    </a:ext>
+                  </a:extLst>
+                </p:cNvPr>
+                <p:cNvCxnSpPr>
+                  <a:cxnSpLocks/>
+                  <a:stCxn id="23" idx="6"/>
+                </p:cNvCxnSpPr>
+                <p:nvPr/>
+              </p:nvCxnSpPr>
+              <p:spPr>
+                <a:xfrm flipH="1">
+                  <a:off x="2398617" y="1434530"/>
+                  <a:ext cx="376990" cy="1627"/>
+                </a:xfrm>
+                <a:prstGeom prst="line">
+                  <a:avLst/>
+                </a:prstGeom>
+                <a:ln w="25400">
+                  <a:solidFill>
+                    <a:schemeClr val="tx1"/>
+                  </a:solidFill>
+                </a:ln>
+              </p:spPr>
+              <p:style>
+                <a:lnRef idx="1">
+                  <a:schemeClr val="accent1"/>
+                </a:lnRef>
+                <a:fillRef idx="0">
+                  <a:schemeClr val="accent1"/>
+                </a:fillRef>
+                <a:effectRef idx="0">
+                  <a:schemeClr val="accent1"/>
+                </a:effectRef>
+                <a:fontRef idx="minor">
+                  <a:schemeClr val="tx1"/>
+                </a:fontRef>
+              </p:style>
+            </p:cxnSp>
+          </p:grpSp>
+          <p:sp>
+            <p:nvSpPr>
+              <p:cNvPr id="31" name="TextBox 30">
+                <a:extLst>
+                  <a:ext uri="{FF2B5EF4-FFF2-40B4-BE49-F238E27FC236}">
+                    <a16:creationId xmlns:a16="http://schemas.microsoft.com/office/drawing/2014/main" id="{63F804B8-7B74-C141-C649-4F6088DA76A4}"/>
+                  </a:ext>
+                </a:extLst>
+              </p:cNvPr>
+              <p:cNvSpPr txBox="1"/>
+              <p:nvPr/>
+            </p:nvSpPr>
+            <p:spPr>
+              <a:xfrm>
+                <a:off x="1293859" y="950471"/>
+                <a:ext cx="418704" cy="369332"/>
+              </a:xfrm>
+              <a:prstGeom prst="rect">
+                <a:avLst/>
+              </a:prstGeom>
+              <a:noFill/>
+            </p:spPr>
+            <p:txBody>
+              <a:bodyPr wrap="none" rtlCol="0">
+                <a:spAutoFit/>
+              </a:bodyPr>
+              <a:lstStyle/>
+              <a:p>
+                <a:r>
+                  <a:rPr kumimoji="1" lang="en-US" altLang="ko-KR" dirty="0"/>
+                  <a:t>30</a:t>
+                </a:r>
+              </a:p>
+            </p:txBody>
+          </p:sp>
+          <p:sp>
+            <p:nvSpPr>
+              <p:cNvPr id="32" name="TextBox 31">
+                <a:extLst>
+                  <a:ext uri="{FF2B5EF4-FFF2-40B4-BE49-F238E27FC236}">
+                    <a16:creationId xmlns:a16="http://schemas.microsoft.com/office/drawing/2014/main" id="{1AE8C32F-F77A-53CF-F2AA-E3AFED03454E}"/>
+                  </a:ext>
+                </a:extLst>
+              </p:cNvPr>
+              <p:cNvSpPr txBox="1"/>
+              <p:nvPr/>
+            </p:nvSpPr>
+            <p:spPr>
+              <a:xfrm>
+                <a:off x="1303093" y="1783681"/>
+                <a:ext cx="418704" cy="369332"/>
+              </a:xfrm>
+              <a:prstGeom prst="rect">
+                <a:avLst/>
+              </a:prstGeom>
+              <a:noFill/>
+            </p:spPr>
+            <p:txBody>
+              <a:bodyPr wrap="none" rtlCol="0">
+                <a:spAutoFit/>
+              </a:bodyPr>
+              <a:lstStyle/>
+              <a:p>
+                <a:r>
+                  <a:rPr kumimoji="1" lang="en-US" altLang="ko-KR" dirty="0"/>
+                  <a:t>30</a:t>
+                </a:r>
+              </a:p>
+            </p:txBody>
+          </p:sp>
+        </p:grpSp>
+        <p:sp>
+          <p:nvSpPr>
+            <p:cNvPr id="57" name="TextBox 56">
+              <a:extLst>
+                <a:ext uri="{FF2B5EF4-FFF2-40B4-BE49-F238E27FC236}">
+                  <a16:creationId xmlns:a16="http://schemas.microsoft.com/office/drawing/2014/main" id="{23411710-A0DF-9930-9515-7D70A77990D5}"/>
+                </a:ext>
+              </a:extLst>
+            </p:cNvPr>
+            <p:cNvSpPr txBox="1"/>
+            <p:nvPr/>
+          </p:nvSpPr>
+          <p:spPr>
+            <a:xfrm>
+              <a:off x="843419" y="1990090"/>
+              <a:ext cx="1002390" cy="369332"/>
+            </a:xfrm>
+            <a:prstGeom prst="rect">
+              <a:avLst/>
+            </a:prstGeom>
+            <a:noFill/>
+          </p:spPr>
+          <p:txBody>
+            <a:bodyPr wrap="none" rtlCol="0">
+              <a:spAutoFit/>
+            </a:bodyPr>
+            <a:lstStyle/>
+            <a:p>
+              <a:r>
+                <a:rPr kumimoji="1" lang="en-US" altLang="ko-KR" dirty="0"/>
+                <a:t>CNOT 30</a:t>
+              </a:r>
+              <a:endParaRPr kumimoji="1" lang="ko-KR" altLang="en-US" dirty="0"/>
+            </a:p>
+          </p:txBody>
+        </p:sp>
+      </p:grpSp>
+      <p:grpSp>
+        <p:nvGrpSpPr>
+          <p:cNvPr id="60" name="그룹 59">
+            <a:extLst>
+              <a:ext uri="{FF2B5EF4-FFF2-40B4-BE49-F238E27FC236}">
+                <a16:creationId xmlns:a16="http://schemas.microsoft.com/office/drawing/2014/main" id="{8F86CC56-6075-39DD-A1C5-2642A7A4AFF3}"/>
+              </a:ext>
+            </a:extLst>
+          </p:cNvPr>
+          <p:cNvGrpSpPr/>
+          <p:nvPr/>
+        </p:nvGrpSpPr>
+        <p:grpSpPr>
+          <a:xfrm>
+            <a:off x="5942134" y="1245437"/>
+            <a:ext cx="2118151" cy="1538493"/>
+            <a:chOff x="2451681" y="828057"/>
+            <a:chExt cx="2118151" cy="1538493"/>
+          </a:xfrm>
+        </p:grpSpPr>
+        <p:grpSp>
+          <p:nvGrpSpPr>
+            <p:cNvPr id="35" name="그룹 34">
+              <a:extLst>
+                <a:ext uri="{FF2B5EF4-FFF2-40B4-BE49-F238E27FC236}">
+                  <a16:creationId xmlns:a16="http://schemas.microsoft.com/office/drawing/2014/main" id="{743FAB68-CD69-E57F-E772-A225592E1CB2}"/>
+                </a:ext>
+              </a:extLst>
+            </p:cNvPr>
+            <p:cNvGrpSpPr/>
+            <p:nvPr/>
+          </p:nvGrpSpPr>
+          <p:grpSpPr>
+            <a:xfrm>
+              <a:off x="2992213" y="1012723"/>
+              <a:ext cx="1577619" cy="725541"/>
+              <a:chOff x="874045" y="1012723"/>
+              <a:chExt cx="3570136" cy="725541"/>
+            </a:xfrm>
+          </p:grpSpPr>
+          <p:cxnSp>
+            <p:nvCxnSpPr>
+              <p:cNvPr id="45" name="직선 연결선[R] 44">
+                <a:extLst>
+                  <a:ext uri="{FF2B5EF4-FFF2-40B4-BE49-F238E27FC236}">
+                    <a16:creationId xmlns:a16="http://schemas.microsoft.com/office/drawing/2014/main" id="{E9C37980-7BC7-BD84-EE2B-4E09AB237F9A}"/>
+                  </a:ext>
+                </a:extLst>
+              </p:cNvPr>
+              <p:cNvCxnSpPr/>
+              <p:nvPr/>
+            </p:nvCxnSpPr>
+            <p:spPr>
+              <a:xfrm>
+                <a:off x="874046" y="1012723"/>
+                <a:ext cx="3570135" cy="0"/>
+              </a:xfrm>
+              <a:prstGeom prst="line">
+                <a:avLst/>
+              </a:prstGeom>
+              <a:ln w="25400">
+                <a:solidFill>
+                  <a:schemeClr val="tx1">
+                    <a:lumMod val="50000"/>
+                    <a:lumOff val="50000"/>
+                  </a:schemeClr>
+                </a:solidFill>
+              </a:ln>
+            </p:spPr>
+            <p:style>
+              <a:lnRef idx="1">
+                <a:schemeClr val="accent1"/>
+              </a:lnRef>
+              <a:fillRef idx="0">
+                <a:schemeClr val="accent1"/>
+              </a:fillRef>
+              <a:effectRef idx="0">
+                <a:schemeClr val="accent1"/>
+              </a:effectRef>
+              <a:fontRef idx="minor">
+                <a:schemeClr val="tx1"/>
+              </a:fontRef>
+            </p:style>
+          </p:cxnSp>
+          <p:cxnSp>
+            <p:nvCxnSpPr>
+              <p:cNvPr id="46" name="직선 연결선[R] 45">
+                <a:extLst>
+                  <a:ext uri="{FF2B5EF4-FFF2-40B4-BE49-F238E27FC236}">
+                    <a16:creationId xmlns:a16="http://schemas.microsoft.com/office/drawing/2014/main" id="{DED45BBB-F3D0-EB5C-E2ED-F6515D4444CA}"/>
+                  </a:ext>
+                </a:extLst>
+              </p:cNvPr>
+              <p:cNvCxnSpPr/>
+              <p:nvPr/>
+            </p:nvCxnSpPr>
+            <p:spPr>
+              <a:xfrm>
+                <a:off x="874045" y="1738264"/>
+                <a:ext cx="3570135" cy="0"/>
+              </a:xfrm>
+              <a:prstGeom prst="line">
+                <a:avLst/>
+              </a:prstGeom>
+              <a:ln w="25400">
+                <a:solidFill>
+                  <a:schemeClr val="tx1">
+                    <a:lumMod val="50000"/>
+                    <a:lumOff val="50000"/>
+                  </a:schemeClr>
+                </a:solidFill>
+              </a:ln>
+            </p:spPr>
+            <p:style>
+              <a:lnRef idx="1">
+                <a:schemeClr val="accent1"/>
+              </a:lnRef>
+              <a:fillRef idx="0">
+                <a:schemeClr val="accent1"/>
+              </a:fillRef>
+              <a:effectRef idx="0">
+                <a:schemeClr val="accent1"/>
+              </a:effectRef>
+              <a:fontRef idx="minor">
+                <a:schemeClr val="tx1"/>
+              </a:fontRef>
+            </p:style>
+          </p:cxnSp>
+        </p:grpSp>
+        <p:sp>
+          <p:nvSpPr>
+            <p:cNvPr id="36" name="TextBox 35">
+              <a:extLst>
+                <a:ext uri="{FF2B5EF4-FFF2-40B4-BE49-F238E27FC236}">
+                  <a16:creationId xmlns:a16="http://schemas.microsoft.com/office/drawing/2014/main" id="{3E879EBE-22BE-F2A1-9E33-7A1499A9D372}"/>
+                </a:ext>
+              </a:extLst>
+            </p:cNvPr>
+            <p:cNvSpPr txBox="1"/>
+            <p:nvPr/>
+          </p:nvSpPr>
+          <p:spPr>
+            <a:xfrm>
+              <a:off x="2451681" y="828057"/>
+              <a:ext cx="540533" cy="369332"/>
+            </a:xfrm>
+            <a:prstGeom prst="rect">
+              <a:avLst/>
+            </a:prstGeom>
+            <a:noFill/>
+          </p:spPr>
+          <p:txBody>
+            <a:bodyPr wrap="none" rtlCol="0">
+              <a:spAutoFit/>
+            </a:bodyPr>
+            <a:lstStyle/>
+            <a:p>
+              <a:r>
+                <a:rPr kumimoji="1" lang="en-US" altLang="ko-KR" dirty="0"/>
+                <a:t>q30</a:t>
+              </a:r>
+              <a:endParaRPr kumimoji="1" lang="ko-KR" altLang="en-US" dirty="0"/>
+            </a:p>
+          </p:txBody>
+        </p:sp>
+        <p:sp>
+          <p:nvSpPr>
+            <p:cNvPr id="37" name="TextBox 36">
+              <a:extLst>
+                <a:ext uri="{FF2B5EF4-FFF2-40B4-BE49-F238E27FC236}">
+                  <a16:creationId xmlns:a16="http://schemas.microsoft.com/office/drawing/2014/main" id="{38AD01B3-DAD5-BF7E-2C82-FDD4536A5471}"/>
+                </a:ext>
+              </a:extLst>
+            </p:cNvPr>
+            <p:cNvSpPr txBox="1"/>
+            <p:nvPr/>
+          </p:nvSpPr>
+          <p:spPr>
+            <a:xfrm>
+              <a:off x="2451681" y="1527734"/>
+              <a:ext cx="540533" cy="369332"/>
+            </a:xfrm>
+            <a:prstGeom prst="rect">
+              <a:avLst/>
+            </a:prstGeom>
+            <a:noFill/>
+          </p:spPr>
+          <p:txBody>
+            <a:bodyPr wrap="none" rtlCol="0">
+              <a:spAutoFit/>
+            </a:bodyPr>
+            <a:lstStyle/>
+            <a:p>
+              <a:r>
+                <a:rPr kumimoji="1" lang="en-US" altLang="ko-KR" dirty="0"/>
+                <a:t>q30</a:t>
+              </a:r>
+              <a:endParaRPr kumimoji="1" lang="ko-KR" altLang="en-US" dirty="0"/>
+            </a:p>
+          </p:txBody>
+        </p:sp>
+        <p:grpSp>
+          <p:nvGrpSpPr>
+            <p:cNvPr id="48" name="그룹 47">
+              <a:extLst>
+                <a:ext uri="{FF2B5EF4-FFF2-40B4-BE49-F238E27FC236}">
+                  <a16:creationId xmlns:a16="http://schemas.microsoft.com/office/drawing/2014/main" id="{B101F0E4-13EF-A6CD-D762-CAF8160D0E38}"/>
+                </a:ext>
+              </a:extLst>
+            </p:cNvPr>
+            <p:cNvGrpSpPr/>
+            <p:nvPr/>
+          </p:nvGrpSpPr>
+          <p:grpSpPr>
+            <a:xfrm>
+              <a:off x="3294952" y="950471"/>
+              <a:ext cx="545014" cy="1202542"/>
+              <a:chOff x="3294952" y="950471"/>
+              <a:chExt cx="545014" cy="1202542"/>
+            </a:xfrm>
+          </p:grpSpPr>
+          <p:sp>
+            <p:nvSpPr>
+              <p:cNvPr id="38" name="타원 37">
+                <a:extLst>
+                  <a:ext uri="{FF2B5EF4-FFF2-40B4-BE49-F238E27FC236}">
+                    <a16:creationId xmlns:a16="http://schemas.microsoft.com/office/drawing/2014/main" id="{49251A4C-6044-F1A8-3702-2904376E5A9B}"/>
+                  </a:ext>
+                </a:extLst>
+              </p:cNvPr>
+              <p:cNvSpPr/>
+              <p:nvPr/>
+            </p:nvSpPr>
+            <p:spPr>
+              <a:xfrm>
+                <a:off x="3412028" y="962203"/>
+                <a:ext cx="106969" cy="106969"/>
+              </a:xfrm>
+              <a:prstGeom prst="ellipse">
+                <a:avLst/>
+              </a:prstGeom>
+              <a:solidFill>
+                <a:schemeClr val="tx1"/>
+              </a:solidFill>
+              <a:ln>
+                <a:noFill/>
+              </a:ln>
+            </p:spPr>
+            <p:style>
+              <a:lnRef idx="2">
+                <a:schemeClr val="accent1">
+                  <a:shade val="50000"/>
+                </a:schemeClr>
+              </a:lnRef>
+              <a:fillRef idx="1">
+                <a:schemeClr val="accent1"/>
+              </a:fillRef>
+              <a:effectRef idx="0">
+                <a:schemeClr val="accent1"/>
+              </a:effectRef>
+              <a:fontRef idx="minor">
+                <a:schemeClr val="lt1"/>
+              </a:fontRef>
+            </p:style>
+            <p:txBody>
+              <a:bodyPr rtlCol="0" anchor="ctr"/>
+              <a:lstStyle/>
+              <a:p>
+                <a:pPr algn="ctr"/>
+                <a:endParaRPr kumimoji="1" lang="ko-KR" altLang="en-US"/>
+              </a:p>
+            </p:txBody>
+          </p:sp>
+          <p:cxnSp>
+            <p:nvCxnSpPr>
+              <p:cNvPr id="39" name="직선 연결선[R] 38">
+                <a:extLst>
+                  <a:ext uri="{FF2B5EF4-FFF2-40B4-BE49-F238E27FC236}">
+                    <a16:creationId xmlns:a16="http://schemas.microsoft.com/office/drawing/2014/main" id="{5E167D3C-F8FD-C294-EB56-BDDCED52326C}"/>
+                  </a:ext>
+                </a:extLst>
+              </p:cNvPr>
+              <p:cNvCxnSpPr>
+                <a:cxnSpLocks/>
+                <a:endCxn id="43" idx="4"/>
+              </p:cNvCxnSpPr>
+              <p:nvPr/>
+            </p:nvCxnSpPr>
+            <p:spPr>
+              <a:xfrm>
+                <a:off x="3462783" y="1012723"/>
+                <a:ext cx="0" cy="893372"/>
+              </a:xfrm>
+              <a:prstGeom prst="line">
+                <a:avLst/>
+              </a:prstGeom>
+              <a:ln w="25400">
+                <a:solidFill>
+                  <a:schemeClr val="tx1"/>
+                </a:solidFill>
+              </a:ln>
+            </p:spPr>
+            <p:style>
+              <a:lnRef idx="1">
+                <a:schemeClr val="accent1"/>
+              </a:lnRef>
+              <a:fillRef idx="0">
+                <a:schemeClr val="accent1"/>
+              </a:fillRef>
+              <a:effectRef idx="0">
+                <a:schemeClr val="accent1"/>
+              </a:effectRef>
+              <a:fontRef idx="minor">
+                <a:schemeClr val="tx1"/>
+              </a:fontRef>
+            </p:style>
+          </p:cxnSp>
+          <p:grpSp>
+            <p:nvGrpSpPr>
+              <p:cNvPr id="40" name="그룹 39">
+                <a:extLst>
+                  <a:ext uri="{FF2B5EF4-FFF2-40B4-BE49-F238E27FC236}">
+                    <a16:creationId xmlns:a16="http://schemas.microsoft.com/office/drawing/2014/main" id="{BC221DBE-7E48-D744-7687-E7C4F457867C}"/>
+                  </a:ext>
+                </a:extLst>
+              </p:cNvPr>
+              <p:cNvGrpSpPr/>
+              <p:nvPr/>
+            </p:nvGrpSpPr>
+            <p:grpSpPr>
+              <a:xfrm>
+                <a:off x="3294952" y="1570433"/>
+                <a:ext cx="335662" cy="335662"/>
+                <a:chOff x="2398617" y="1246035"/>
+                <a:chExt cx="376990" cy="376990"/>
+              </a:xfrm>
+            </p:grpSpPr>
+            <p:sp>
+              <p:nvSpPr>
+                <p:cNvPr id="43" name="타원 42">
+                  <a:extLst>
+                    <a:ext uri="{FF2B5EF4-FFF2-40B4-BE49-F238E27FC236}">
+                      <a16:creationId xmlns:a16="http://schemas.microsoft.com/office/drawing/2014/main" id="{BEA8BC01-8104-F650-3CBA-474D18CD246E}"/>
+                    </a:ext>
+                  </a:extLst>
+                </p:cNvPr>
+                <p:cNvSpPr/>
+                <p:nvPr/>
+              </p:nvSpPr>
+              <p:spPr>
+                <a:xfrm>
+                  <a:off x="2398617" y="1246035"/>
+                  <a:ext cx="376990" cy="376990"/>
+                </a:xfrm>
+                <a:prstGeom prst="ellipse">
+                  <a:avLst/>
+                </a:prstGeom>
+                <a:noFill/>
+                <a:ln w="25400">
+                  <a:solidFill>
+                    <a:schemeClr val="tx1"/>
+                  </a:solidFill>
+                </a:ln>
+              </p:spPr>
+              <p:style>
+                <a:lnRef idx="2">
+                  <a:schemeClr val="accent1">
+                    <a:shade val="50000"/>
+                  </a:schemeClr>
+                </a:lnRef>
+                <a:fillRef idx="1">
+                  <a:schemeClr val="accent1"/>
+                </a:fillRef>
+                <a:effectRef idx="0">
+                  <a:schemeClr val="accent1"/>
+                </a:effectRef>
+                <a:fontRef idx="minor">
+                  <a:schemeClr val="lt1"/>
+                </a:fontRef>
+              </p:style>
+              <p:txBody>
+                <a:bodyPr rtlCol="0" anchor="ctr"/>
+                <a:lstStyle/>
+                <a:p>
+                  <a:pPr algn="ctr"/>
+                  <a:endParaRPr kumimoji="1" lang="ko-KR" altLang="en-US"/>
+                </a:p>
+              </p:txBody>
+            </p:sp>
+            <p:cxnSp>
+              <p:nvCxnSpPr>
+                <p:cNvPr id="44" name="직선 연결선[R] 43">
+                  <a:extLst>
+                    <a:ext uri="{FF2B5EF4-FFF2-40B4-BE49-F238E27FC236}">
+                      <a16:creationId xmlns:a16="http://schemas.microsoft.com/office/drawing/2014/main" id="{6B530CEC-FAC0-F474-258D-B434C0131DF8}"/>
+                    </a:ext>
+                  </a:extLst>
+                </p:cNvPr>
+                <p:cNvCxnSpPr>
+                  <a:cxnSpLocks/>
+                  <a:stCxn id="43" idx="6"/>
+                </p:cNvCxnSpPr>
+                <p:nvPr/>
+              </p:nvCxnSpPr>
+              <p:spPr>
+                <a:xfrm flipH="1">
+                  <a:off x="2398617" y="1434530"/>
+                  <a:ext cx="376990" cy="1627"/>
+                </a:xfrm>
+                <a:prstGeom prst="line">
+                  <a:avLst/>
+                </a:prstGeom>
+                <a:ln w="25400">
+                  <a:solidFill>
+                    <a:schemeClr val="tx1"/>
+                  </a:solidFill>
+                </a:ln>
+              </p:spPr>
+              <p:style>
+                <a:lnRef idx="1">
+                  <a:schemeClr val="accent1"/>
+                </a:lnRef>
+                <a:fillRef idx="0">
+                  <a:schemeClr val="accent1"/>
+                </a:fillRef>
+                <a:effectRef idx="0">
+                  <a:schemeClr val="accent1"/>
+                </a:effectRef>
+                <a:fontRef idx="minor">
+                  <a:schemeClr val="tx1"/>
+                </a:fontRef>
+              </p:style>
+            </p:cxnSp>
+          </p:grpSp>
+          <p:sp>
+            <p:nvSpPr>
+              <p:cNvPr id="41" name="TextBox 40">
+                <a:extLst>
+                  <a:ext uri="{FF2B5EF4-FFF2-40B4-BE49-F238E27FC236}">
+                    <a16:creationId xmlns:a16="http://schemas.microsoft.com/office/drawing/2014/main" id="{ECC633F4-4B26-B021-0C6F-4B26332D8BFC}"/>
+                  </a:ext>
+                </a:extLst>
+              </p:cNvPr>
+              <p:cNvSpPr txBox="1"/>
+              <p:nvPr/>
+            </p:nvSpPr>
+            <p:spPr>
+              <a:xfrm>
+                <a:off x="3412028" y="950471"/>
+                <a:ext cx="418704" cy="369332"/>
+              </a:xfrm>
+              <a:prstGeom prst="rect">
+                <a:avLst/>
+              </a:prstGeom>
+              <a:noFill/>
+            </p:spPr>
+            <p:txBody>
+              <a:bodyPr wrap="none" rtlCol="0">
+                <a:spAutoFit/>
+              </a:bodyPr>
+              <a:lstStyle/>
+              <a:p>
+                <a:r>
+                  <a:rPr kumimoji="1" lang="en-US" altLang="ko-KR" dirty="0"/>
+                  <a:t>30</a:t>
+                </a:r>
+              </a:p>
+            </p:txBody>
+          </p:sp>
+          <p:sp>
+            <p:nvSpPr>
+              <p:cNvPr id="42" name="TextBox 41">
+                <a:extLst>
+                  <a:ext uri="{FF2B5EF4-FFF2-40B4-BE49-F238E27FC236}">
+                    <a16:creationId xmlns:a16="http://schemas.microsoft.com/office/drawing/2014/main" id="{9A5DDA05-6858-A2C2-0495-DFE9429096AD}"/>
+                  </a:ext>
+                </a:extLst>
+              </p:cNvPr>
+              <p:cNvSpPr txBox="1"/>
+              <p:nvPr/>
+            </p:nvSpPr>
+            <p:spPr>
+              <a:xfrm>
+                <a:off x="3421262" y="1783681"/>
+                <a:ext cx="418704" cy="369332"/>
+              </a:xfrm>
+              <a:prstGeom prst="rect">
+                <a:avLst/>
+              </a:prstGeom>
+              <a:noFill/>
+            </p:spPr>
+            <p:txBody>
+              <a:bodyPr wrap="none" rtlCol="0">
+                <a:spAutoFit/>
+              </a:bodyPr>
+              <a:lstStyle/>
+              <a:p>
+                <a:r>
+                  <a:rPr kumimoji="1" lang="en-US" altLang="ko-KR" dirty="0"/>
+                  <a:t>30</a:t>
+                </a:r>
+              </a:p>
+            </p:txBody>
+          </p:sp>
+        </p:grpSp>
+        <p:grpSp>
+          <p:nvGrpSpPr>
+            <p:cNvPr id="49" name="그룹 48">
+              <a:extLst>
+                <a:ext uri="{FF2B5EF4-FFF2-40B4-BE49-F238E27FC236}">
+                  <a16:creationId xmlns:a16="http://schemas.microsoft.com/office/drawing/2014/main" id="{25A106DD-0310-3821-CFBA-DB44E913B1CD}"/>
+                </a:ext>
+              </a:extLst>
+            </p:cNvPr>
+            <p:cNvGrpSpPr/>
+            <p:nvPr/>
+          </p:nvGrpSpPr>
+          <p:grpSpPr>
+            <a:xfrm>
+              <a:off x="3944207" y="950471"/>
+              <a:ext cx="545014" cy="1202542"/>
+              <a:chOff x="3294952" y="950471"/>
+              <a:chExt cx="545014" cy="1202542"/>
+            </a:xfrm>
+          </p:grpSpPr>
+          <p:sp>
+            <p:nvSpPr>
+              <p:cNvPr id="50" name="타원 49">
+                <a:extLst>
+                  <a:ext uri="{FF2B5EF4-FFF2-40B4-BE49-F238E27FC236}">
+                    <a16:creationId xmlns:a16="http://schemas.microsoft.com/office/drawing/2014/main" id="{EC5E260E-C6E7-DA49-E23D-F7062136C0B6}"/>
+                  </a:ext>
+                </a:extLst>
+              </p:cNvPr>
+              <p:cNvSpPr/>
+              <p:nvPr/>
+            </p:nvSpPr>
+            <p:spPr>
+              <a:xfrm>
+                <a:off x="3412028" y="962203"/>
+                <a:ext cx="106969" cy="106969"/>
+              </a:xfrm>
+              <a:prstGeom prst="ellipse">
+                <a:avLst/>
+              </a:prstGeom>
+              <a:solidFill>
+                <a:schemeClr val="tx1"/>
+              </a:solidFill>
+              <a:ln>
+                <a:noFill/>
+              </a:ln>
+            </p:spPr>
+            <p:style>
+              <a:lnRef idx="2">
+                <a:schemeClr val="accent1">
+                  <a:shade val="50000"/>
+                </a:schemeClr>
+              </a:lnRef>
+              <a:fillRef idx="1">
+                <a:schemeClr val="accent1"/>
+              </a:fillRef>
+              <a:effectRef idx="0">
+                <a:schemeClr val="accent1"/>
+              </a:effectRef>
+              <a:fontRef idx="minor">
+                <a:schemeClr val="lt1"/>
+              </a:fontRef>
+            </p:style>
+            <p:txBody>
+              <a:bodyPr rtlCol="0" anchor="ctr"/>
+              <a:lstStyle/>
+              <a:p>
+                <a:pPr algn="ctr"/>
+                <a:endParaRPr kumimoji="1" lang="ko-KR" altLang="en-US"/>
+              </a:p>
+            </p:txBody>
+          </p:sp>
+          <p:cxnSp>
+            <p:nvCxnSpPr>
+              <p:cNvPr id="51" name="직선 연결선[R] 50">
+                <a:extLst>
+                  <a:ext uri="{FF2B5EF4-FFF2-40B4-BE49-F238E27FC236}">
+                    <a16:creationId xmlns:a16="http://schemas.microsoft.com/office/drawing/2014/main" id="{09C107FE-7E2C-E41F-CD9A-F611F2F0D740}"/>
+                  </a:ext>
+                </a:extLst>
+              </p:cNvPr>
+              <p:cNvCxnSpPr>
+                <a:cxnSpLocks/>
+                <a:endCxn id="55" idx="4"/>
+              </p:cNvCxnSpPr>
+              <p:nvPr/>
+            </p:nvCxnSpPr>
+            <p:spPr>
+              <a:xfrm>
+                <a:off x="3462783" y="1012723"/>
+                <a:ext cx="0" cy="893372"/>
+              </a:xfrm>
+              <a:prstGeom prst="line">
+                <a:avLst/>
+              </a:prstGeom>
+              <a:ln w="25400">
+                <a:solidFill>
+                  <a:schemeClr val="tx1"/>
+                </a:solidFill>
+              </a:ln>
+            </p:spPr>
+            <p:style>
+              <a:lnRef idx="1">
+                <a:schemeClr val="accent1"/>
+              </a:lnRef>
+              <a:fillRef idx="0">
+                <a:schemeClr val="accent1"/>
+              </a:fillRef>
+              <a:effectRef idx="0">
+                <a:schemeClr val="accent1"/>
+              </a:effectRef>
+              <a:fontRef idx="minor">
+                <a:schemeClr val="tx1"/>
+              </a:fontRef>
+            </p:style>
+          </p:cxnSp>
+          <p:grpSp>
+            <p:nvGrpSpPr>
+              <p:cNvPr id="52" name="그룹 51">
+                <a:extLst>
+                  <a:ext uri="{FF2B5EF4-FFF2-40B4-BE49-F238E27FC236}">
+                    <a16:creationId xmlns:a16="http://schemas.microsoft.com/office/drawing/2014/main" id="{4A810F74-30A8-CD86-FA01-3C2D9C114409}"/>
+                  </a:ext>
+                </a:extLst>
+              </p:cNvPr>
+              <p:cNvGrpSpPr/>
+              <p:nvPr/>
+            </p:nvGrpSpPr>
+            <p:grpSpPr>
+              <a:xfrm>
+                <a:off x="3294952" y="1570433"/>
+                <a:ext cx="335662" cy="335662"/>
+                <a:chOff x="2398617" y="1246035"/>
+                <a:chExt cx="376990" cy="376990"/>
+              </a:xfrm>
+            </p:grpSpPr>
+            <p:sp>
+              <p:nvSpPr>
+                <p:cNvPr id="55" name="타원 54">
+                  <a:extLst>
+                    <a:ext uri="{FF2B5EF4-FFF2-40B4-BE49-F238E27FC236}">
+                      <a16:creationId xmlns:a16="http://schemas.microsoft.com/office/drawing/2014/main" id="{A2D69CF3-EDE4-0323-6630-9B7155A13555}"/>
+                    </a:ext>
+                  </a:extLst>
+                </p:cNvPr>
+                <p:cNvSpPr/>
+                <p:nvPr/>
+              </p:nvSpPr>
+              <p:spPr>
+                <a:xfrm>
+                  <a:off x="2398617" y="1246035"/>
+                  <a:ext cx="376990" cy="376990"/>
+                </a:xfrm>
+                <a:prstGeom prst="ellipse">
+                  <a:avLst/>
+                </a:prstGeom>
+                <a:noFill/>
+                <a:ln w="25400">
+                  <a:solidFill>
+                    <a:schemeClr val="tx1"/>
+                  </a:solidFill>
+                </a:ln>
+              </p:spPr>
+              <p:style>
+                <a:lnRef idx="2">
+                  <a:schemeClr val="accent1">
+                    <a:shade val="50000"/>
+                  </a:schemeClr>
+                </a:lnRef>
+                <a:fillRef idx="1">
+                  <a:schemeClr val="accent1"/>
+                </a:fillRef>
+                <a:effectRef idx="0">
+                  <a:schemeClr val="accent1"/>
+                </a:effectRef>
+                <a:fontRef idx="minor">
+                  <a:schemeClr val="lt1"/>
+                </a:fontRef>
+              </p:style>
+              <p:txBody>
+                <a:bodyPr rtlCol="0" anchor="ctr"/>
+                <a:lstStyle/>
+                <a:p>
+                  <a:pPr algn="ctr"/>
+                  <a:endParaRPr kumimoji="1" lang="ko-KR" altLang="en-US"/>
+                </a:p>
+              </p:txBody>
+            </p:sp>
+            <p:cxnSp>
+              <p:nvCxnSpPr>
+                <p:cNvPr id="56" name="직선 연결선[R] 55">
+                  <a:extLst>
+                    <a:ext uri="{FF2B5EF4-FFF2-40B4-BE49-F238E27FC236}">
+                      <a16:creationId xmlns:a16="http://schemas.microsoft.com/office/drawing/2014/main" id="{54A7AE37-DDC5-BB1C-CCC3-895AA114C73E}"/>
+                    </a:ext>
+                  </a:extLst>
+                </p:cNvPr>
+                <p:cNvCxnSpPr>
+                  <a:cxnSpLocks/>
+                  <a:stCxn id="55" idx="6"/>
+                </p:cNvCxnSpPr>
+                <p:nvPr/>
+              </p:nvCxnSpPr>
+              <p:spPr>
+                <a:xfrm flipH="1">
+                  <a:off x="2398617" y="1434530"/>
+                  <a:ext cx="376990" cy="1627"/>
+                </a:xfrm>
+                <a:prstGeom prst="line">
+                  <a:avLst/>
+                </a:prstGeom>
+                <a:ln w="25400">
+                  <a:solidFill>
+                    <a:schemeClr val="tx1"/>
+                  </a:solidFill>
+                </a:ln>
+              </p:spPr>
+              <p:style>
+                <a:lnRef idx="1">
+                  <a:schemeClr val="accent1"/>
+                </a:lnRef>
+                <a:fillRef idx="0">
+                  <a:schemeClr val="accent1"/>
+                </a:fillRef>
+                <a:effectRef idx="0">
+                  <a:schemeClr val="accent1"/>
+                </a:effectRef>
+                <a:fontRef idx="minor">
+                  <a:schemeClr val="tx1"/>
+                </a:fontRef>
+              </p:style>
+            </p:cxnSp>
+          </p:grpSp>
+          <p:sp>
+            <p:nvSpPr>
+              <p:cNvPr id="53" name="TextBox 52">
+                <a:extLst>
+                  <a:ext uri="{FF2B5EF4-FFF2-40B4-BE49-F238E27FC236}">
+                    <a16:creationId xmlns:a16="http://schemas.microsoft.com/office/drawing/2014/main" id="{92F967E8-D84D-7198-9718-B3B2C1BFFDAE}"/>
+                  </a:ext>
+                </a:extLst>
+              </p:cNvPr>
+              <p:cNvSpPr txBox="1"/>
+              <p:nvPr/>
+            </p:nvSpPr>
+            <p:spPr>
+              <a:xfrm>
+                <a:off x="3412028" y="950471"/>
+                <a:ext cx="418704" cy="369332"/>
+              </a:xfrm>
+              <a:prstGeom prst="rect">
+                <a:avLst/>
+              </a:prstGeom>
+              <a:noFill/>
+            </p:spPr>
+            <p:txBody>
+              <a:bodyPr wrap="none" rtlCol="0">
+                <a:spAutoFit/>
+              </a:bodyPr>
+              <a:lstStyle/>
+              <a:p>
+                <a:r>
+                  <a:rPr kumimoji="1" lang="en-US" altLang="ko-KR" dirty="0"/>
+                  <a:t>30</a:t>
+                </a:r>
+              </a:p>
+            </p:txBody>
+          </p:sp>
+          <p:sp>
+            <p:nvSpPr>
+              <p:cNvPr id="54" name="TextBox 53">
+                <a:extLst>
+                  <a:ext uri="{FF2B5EF4-FFF2-40B4-BE49-F238E27FC236}">
+                    <a16:creationId xmlns:a16="http://schemas.microsoft.com/office/drawing/2014/main" id="{2BA94BCC-1686-A1B1-F1C6-65B143A2B1F5}"/>
+                  </a:ext>
+                </a:extLst>
+              </p:cNvPr>
+              <p:cNvSpPr txBox="1"/>
+              <p:nvPr/>
+            </p:nvSpPr>
+            <p:spPr>
+              <a:xfrm>
+                <a:off x="3421262" y="1783681"/>
+                <a:ext cx="418704" cy="369332"/>
+              </a:xfrm>
+              <a:prstGeom prst="rect">
+                <a:avLst/>
+              </a:prstGeom>
+              <a:noFill/>
+            </p:spPr>
+            <p:txBody>
+              <a:bodyPr wrap="none" rtlCol="0">
+                <a:spAutoFit/>
+              </a:bodyPr>
+              <a:lstStyle/>
+              <a:p>
+                <a:r>
+                  <a:rPr kumimoji="1" lang="en-US" altLang="ko-KR" dirty="0"/>
+                  <a:t>30</a:t>
+                </a:r>
+              </a:p>
+            </p:txBody>
+          </p:sp>
+        </p:grpSp>
+        <p:sp>
+          <p:nvSpPr>
+            <p:cNvPr id="58" name="TextBox 57">
+              <a:extLst>
+                <a:ext uri="{FF2B5EF4-FFF2-40B4-BE49-F238E27FC236}">
+                  <a16:creationId xmlns:a16="http://schemas.microsoft.com/office/drawing/2014/main" id="{D4226FB5-4D79-CF0A-C227-AF17ACC686C7}"/>
+                </a:ext>
+              </a:extLst>
+            </p:cNvPr>
+            <p:cNvSpPr txBox="1"/>
+            <p:nvPr/>
+          </p:nvSpPr>
+          <p:spPr>
+            <a:xfrm>
+              <a:off x="3120185" y="1997218"/>
+              <a:ext cx="1002390" cy="369332"/>
+            </a:xfrm>
+            <a:prstGeom prst="rect">
+              <a:avLst/>
+            </a:prstGeom>
+            <a:noFill/>
+          </p:spPr>
+          <p:txBody>
+            <a:bodyPr wrap="none" rtlCol="0">
+              <a:spAutoFit/>
+            </a:bodyPr>
+            <a:lstStyle/>
+            <a:p>
+              <a:r>
+                <a:rPr kumimoji="1" lang="en-US" altLang="ko-KR" dirty="0"/>
+                <a:t>CNOT 60</a:t>
+              </a:r>
+              <a:endParaRPr kumimoji="1" lang="ko-KR" altLang="en-US" dirty="0"/>
+            </a:p>
+          </p:txBody>
+        </p:sp>
+      </p:grpSp>
+      <p:pic>
+        <p:nvPicPr>
+          <p:cNvPr id="61" name="그림 60">
+            <a:extLst>
+              <a:ext uri="{FF2B5EF4-FFF2-40B4-BE49-F238E27FC236}">
+                <a16:creationId xmlns:a16="http://schemas.microsoft.com/office/drawing/2014/main" id="{4CAF3D95-8FA9-4EE4-B021-2F16537672DD}"/>
+              </a:ext>
+            </a:extLst>
+          </p:cNvPr>
+          <p:cNvPicPr>
+            <a:picLocks noChangeAspect="1"/>
+          </p:cNvPicPr>
+          <p:nvPr/>
+        </p:nvPicPr>
+        <p:blipFill>
+          <a:blip r:embed="rId2"/>
+          <a:stretch>
+            <a:fillRect/>
+          </a:stretch>
+        </p:blipFill>
+        <p:spPr>
+          <a:xfrm>
+            <a:off x="1449368" y="3429000"/>
+            <a:ext cx="7463156" cy="2688499"/>
+          </a:xfrm>
+          <a:prstGeom prst="rect">
+            <a:avLst/>
+          </a:prstGeom>
+        </p:spPr>
+      </p:pic>
     </p:spTree>
     <p:extLst>
       <p:ext uri="{BB962C8B-B14F-4D97-AF65-F5344CB8AC3E}">
         <p14:creationId xmlns:p14="http://schemas.microsoft.com/office/powerpoint/2010/main" val="2370230752"/>
+      </p:ext>
+    </p:extLst>
+  </p:cSld>
+  <p:clrMapOvr>
+    <a:masterClrMapping/>
+  </p:clrMapOvr>
+</p:sld>
+</file>
+
+<file path=ppt/slides/slide7.xml><?xml version="1.0" encoding="utf-8"?>
+<p:sld xmlns:a="http://schemas.openxmlformats.org/drawingml/2006/main" xmlns:r="http://schemas.openxmlformats.org/officeDocument/2006/relationships" xmlns:p="http://schemas.openxmlformats.org/presentationml/2006/main">
+  <p:cSld>
+    <p:spTree>
+      <p:nvGrpSpPr>
+        <p:cNvPr id="1" name=""/>
+        <p:cNvGrpSpPr/>
+        <p:nvPr/>
+      </p:nvGrpSpPr>
+      <p:grpSpPr>
+        <a:xfrm>
+          <a:off x="0" y="0"/>
+          <a:ext cx="0" cy="0"/>
+          <a:chOff x="0" y="0"/>
+          <a:chExt cx="0" cy="0"/>
+        </a:xfrm>
+      </p:grpSpPr>
+      <p:sp>
+        <p:nvSpPr>
+          <p:cNvPr id="2" name="슬라이드 번호 개체 틀 1">
+            <a:extLst>
+              <a:ext uri="{FF2B5EF4-FFF2-40B4-BE49-F238E27FC236}">
+                <a16:creationId xmlns:a16="http://schemas.microsoft.com/office/drawing/2014/main" id="{2457B57A-F25F-1AAB-DF8B-DA33485F9E8E}"/>
+              </a:ext>
+            </a:extLst>
+          </p:cNvPr>
+          <p:cNvSpPr>
+            <a:spLocks noGrp="1"/>
+          </p:cNvSpPr>
+          <p:nvPr>
+            <p:ph type="sldNum" sz="quarter" idx="12"/>
+          </p:nvPr>
+        </p:nvSpPr>
+        <p:spPr/>
+        <p:txBody>
+          <a:bodyPr/>
+          <a:lstStyle/>
+          <a:p>
+            <a:fld id="{AB63B532-9832-1249-9E64-2BDCF6AB4178}" type="slidenum">
+              <a:rPr kumimoji="1" lang="ko-Kore-KR" altLang="en-US" smtClean="0"/>
+              <a:t>7</a:t>
+            </a:fld>
+            <a:endParaRPr kumimoji="1" lang="ko-Kore-KR" altLang="en-US"/>
+          </a:p>
+        </p:txBody>
+      </p:sp>
+      <p:sp>
+        <p:nvSpPr>
+          <p:cNvPr id="3" name="내용 개체 틀 2">
+            <a:extLst>
+              <a:ext uri="{FF2B5EF4-FFF2-40B4-BE49-F238E27FC236}">
+                <a16:creationId xmlns:a16="http://schemas.microsoft.com/office/drawing/2014/main" id="{21FD8963-0DB4-3A7A-429C-336E2A40CF54}"/>
+              </a:ext>
+            </a:extLst>
+          </p:cNvPr>
+          <p:cNvSpPr>
+            <a:spLocks noGrp="1"/>
+          </p:cNvSpPr>
+          <p:nvPr>
+            <p:ph sz="quarter" idx="13"/>
+          </p:nvPr>
+        </p:nvSpPr>
+        <p:spPr>
+          <a:xfrm>
+            <a:off x="289971" y="162050"/>
+            <a:ext cx="4488506" cy="335662"/>
+          </a:xfrm>
+        </p:spPr>
+        <p:txBody>
+          <a:bodyPr/>
+          <a:lstStyle/>
+          <a:p>
+            <a:r>
+              <a:rPr kumimoji="1" lang="en-US" altLang="ko-KR" dirty="0"/>
+              <a:t>5. Simulation Results – Execution Time</a:t>
+            </a:r>
+            <a:endParaRPr kumimoji="1" lang="ko-KR" altLang="en-US" dirty="0"/>
+          </a:p>
+        </p:txBody>
+      </p:sp>
+      <p:pic>
+        <p:nvPicPr>
+          <p:cNvPr id="37" name="그림 36">
+            <a:extLst>
+              <a:ext uri="{FF2B5EF4-FFF2-40B4-BE49-F238E27FC236}">
+                <a16:creationId xmlns:a16="http://schemas.microsoft.com/office/drawing/2014/main" id="{33E2C86F-9902-68B5-2B04-C459952E79CA}"/>
+              </a:ext>
+            </a:extLst>
+          </p:cNvPr>
+          <p:cNvPicPr>
+            <a:picLocks noChangeAspect="1"/>
+          </p:cNvPicPr>
+          <p:nvPr/>
+        </p:nvPicPr>
+        <p:blipFill>
+          <a:blip r:embed="rId2"/>
+          <a:stretch>
+            <a:fillRect/>
+          </a:stretch>
+        </p:blipFill>
+        <p:spPr>
+          <a:xfrm>
+            <a:off x="8039896" y="244642"/>
+            <a:ext cx="3313904" cy="6111708"/>
+          </a:xfrm>
+          <a:prstGeom prst="rect">
+            <a:avLst/>
+          </a:prstGeom>
+        </p:spPr>
+      </p:pic>
+      <p:pic>
+        <p:nvPicPr>
+          <p:cNvPr id="38" name="그림 37">
+            <a:extLst>
+              <a:ext uri="{FF2B5EF4-FFF2-40B4-BE49-F238E27FC236}">
+                <a16:creationId xmlns:a16="http://schemas.microsoft.com/office/drawing/2014/main" id="{189C2F4E-5B77-B1D7-DB1C-5C3645A3B78F}"/>
+              </a:ext>
+            </a:extLst>
+          </p:cNvPr>
+          <p:cNvPicPr>
+            <a:picLocks noChangeAspect="1"/>
+          </p:cNvPicPr>
+          <p:nvPr/>
+        </p:nvPicPr>
+        <p:blipFill>
+          <a:blip r:embed="rId3"/>
+          <a:stretch>
+            <a:fillRect/>
+          </a:stretch>
+        </p:blipFill>
+        <p:spPr>
+          <a:xfrm>
+            <a:off x="407958" y="783394"/>
+            <a:ext cx="6592211" cy="5291212"/>
+          </a:xfrm>
+          <a:prstGeom prst="rect">
+            <a:avLst/>
+          </a:prstGeom>
+        </p:spPr>
+      </p:pic>
+    </p:spTree>
+    <p:extLst>
+      <p:ext uri="{BB962C8B-B14F-4D97-AF65-F5344CB8AC3E}">
+        <p14:creationId xmlns:p14="http://schemas.microsoft.com/office/powerpoint/2010/main" val="2718550792"/>
+      </p:ext>
+    </p:extLst>
+  </p:cSld>
+  <p:clrMapOvr>
+    <a:masterClrMapping/>
+  </p:clrMapOvr>
+</p:sld>
+</file>
+
+<file path=ppt/slides/slide8.xml><?xml version="1.0" encoding="utf-8"?>
+<p:sld xmlns:a="http://schemas.openxmlformats.org/drawingml/2006/main" xmlns:r="http://schemas.openxmlformats.org/officeDocument/2006/relationships" xmlns:p="http://schemas.openxmlformats.org/presentationml/2006/main">
+  <p:cSld>
+    <p:spTree>
+      <p:nvGrpSpPr>
+        <p:cNvPr id="1" name=""/>
+        <p:cNvGrpSpPr/>
+        <p:nvPr/>
+      </p:nvGrpSpPr>
+      <p:grpSpPr>
+        <a:xfrm>
+          <a:off x="0" y="0"/>
+          <a:ext cx="0" cy="0"/>
+          <a:chOff x="0" y="0"/>
+          <a:chExt cx="0" cy="0"/>
+        </a:xfrm>
+      </p:grpSpPr>
+      <p:sp>
+        <p:nvSpPr>
+          <p:cNvPr id="2" name="슬라이드 번호 개체 틀 1">
+            <a:extLst>
+              <a:ext uri="{FF2B5EF4-FFF2-40B4-BE49-F238E27FC236}">
+                <a16:creationId xmlns:a16="http://schemas.microsoft.com/office/drawing/2014/main" id="{2457B57A-F25F-1AAB-DF8B-DA33485F9E8E}"/>
+              </a:ext>
+            </a:extLst>
+          </p:cNvPr>
+          <p:cNvSpPr>
+            <a:spLocks noGrp="1"/>
+          </p:cNvSpPr>
+          <p:nvPr>
+            <p:ph type="sldNum" sz="quarter" idx="12"/>
+          </p:nvPr>
+        </p:nvSpPr>
+        <p:spPr/>
+        <p:txBody>
+          <a:bodyPr/>
+          <a:lstStyle/>
+          <a:p>
+            <a:fld id="{AB63B532-9832-1249-9E64-2BDCF6AB4178}" type="slidenum">
+              <a:rPr kumimoji="1" lang="ko-Kore-KR" altLang="en-US" smtClean="0"/>
+              <a:t>8</a:t>
+            </a:fld>
+            <a:endParaRPr kumimoji="1" lang="ko-Kore-KR" altLang="en-US"/>
+          </a:p>
+        </p:txBody>
+      </p:sp>
+      <p:sp>
+        <p:nvSpPr>
+          <p:cNvPr id="3" name="내용 개체 틀 2">
+            <a:extLst>
+              <a:ext uri="{FF2B5EF4-FFF2-40B4-BE49-F238E27FC236}">
+                <a16:creationId xmlns:a16="http://schemas.microsoft.com/office/drawing/2014/main" id="{21FD8963-0DB4-3A7A-429C-336E2A40CF54}"/>
+              </a:ext>
+            </a:extLst>
+          </p:cNvPr>
+          <p:cNvSpPr>
+            <a:spLocks noGrp="1"/>
+          </p:cNvSpPr>
+          <p:nvPr>
+            <p:ph sz="quarter" idx="13"/>
+          </p:nvPr>
+        </p:nvSpPr>
+        <p:spPr>
+          <a:xfrm>
+            <a:off x="289971" y="162050"/>
+            <a:ext cx="3957564" cy="335662"/>
+          </a:xfrm>
+        </p:spPr>
+        <p:txBody>
+          <a:bodyPr/>
+          <a:lstStyle/>
+          <a:p>
+            <a:r>
+              <a:rPr kumimoji="1" lang="en-US" altLang="ko-KR" dirty="0"/>
+              <a:t>5. Simulation Results – Heating Rate</a:t>
+            </a:r>
+            <a:endParaRPr kumimoji="1" lang="ko-KR" altLang="en-US" dirty="0"/>
+          </a:p>
+        </p:txBody>
+      </p:sp>
+      <p:grpSp>
+        <p:nvGrpSpPr>
+          <p:cNvPr id="22" name="그룹 21">
+            <a:extLst>
+              <a:ext uri="{FF2B5EF4-FFF2-40B4-BE49-F238E27FC236}">
+                <a16:creationId xmlns:a16="http://schemas.microsoft.com/office/drawing/2014/main" id="{0008A6E4-E4FC-44E9-CCF5-5E5349A90232}"/>
+              </a:ext>
+            </a:extLst>
+          </p:cNvPr>
+          <p:cNvGrpSpPr/>
+          <p:nvPr/>
+        </p:nvGrpSpPr>
+        <p:grpSpPr>
+          <a:xfrm>
+            <a:off x="2482565" y="674774"/>
+            <a:ext cx="7143216" cy="5681576"/>
+            <a:chOff x="2209800" y="337387"/>
+            <a:chExt cx="7946922" cy="6183223"/>
+          </a:xfrm>
+        </p:grpSpPr>
+        <p:pic>
+          <p:nvPicPr>
+            <p:cNvPr id="23" name="그림 22">
+              <a:extLst>
+                <a:ext uri="{FF2B5EF4-FFF2-40B4-BE49-F238E27FC236}">
+                  <a16:creationId xmlns:a16="http://schemas.microsoft.com/office/drawing/2014/main" id="{791E710D-BC09-F910-1BA5-36803636F33B}"/>
+                </a:ext>
+              </a:extLst>
+            </p:cNvPr>
+            <p:cNvPicPr>
+              <a:picLocks noChangeAspect="1"/>
+            </p:cNvPicPr>
+            <p:nvPr/>
+          </p:nvPicPr>
+          <p:blipFill>
+            <a:blip r:embed="rId2"/>
+            <a:stretch>
+              <a:fillRect/>
+            </a:stretch>
+          </p:blipFill>
+          <p:spPr>
+            <a:xfrm>
+              <a:off x="2209800" y="337389"/>
+              <a:ext cx="7772400" cy="6183221"/>
+            </a:xfrm>
+            <a:prstGeom prst="rect">
+              <a:avLst/>
+            </a:prstGeom>
+          </p:spPr>
+        </p:pic>
+        <p:sp>
+          <p:nvSpPr>
+            <p:cNvPr id="24" name="직사각형 23">
+              <a:extLst>
+                <a:ext uri="{FF2B5EF4-FFF2-40B4-BE49-F238E27FC236}">
+                  <a16:creationId xmlns:a16="http://schemas.microsoft.com/office/drawing/2014/main" id="{DC828E85-7CC0-091B-C741-254A1D88E273}"/>
+                </a:ext>
+              </a:extLst>
+            </p:cNvPr>
+            <p:cNvSpPr/>
+            <p:nvPr/>
+          </p:nvSpPr>
+          <p:spPr>
+            <a:xfrm>
+              <a:off x="6174658" y="727588"/>
+              <a:ext cx="3807542" cy="2701412"/>
+            </a:xfrm>
+            <a:prstGeom prst="rect">
+              <a:avLst/>
+            </a:prstGeom>
+            <a:solidFill>
+              <a:schemeClr val="bg1"/>
+            </a:solidFill>
+            <a:ln>
+              <a:noFill/>
+            </a:ln>
+          </p:spPr>
+          <p:style>
+            <a:lnRef idx="2">
+              <a:schemeClr val="accent1">
+                <a:shade val="50000"/>
+              </a:schemeClr>
+            </a:lnRef>
+            <a:fillRef idx="1">
+              <a:schemeClr val="accent1"/>
+            </a:fillRef>
+            <a:effectRef idx="0">
+              <a:schemeClr val="accent1"/>
+            </a:effectRef>
+            <a:fontRef idx="minor">
+              <a:schemeClr val="lt1"/>
+            </a:fontRef>
+          </p:style>
+          <p:txBody>
+            <a:bodyPr rtlCol="0" anchor="ctr"/>
+            <a:lstStyle/>
+            <a:p>
+              <a:pPr algn="ctr"/>
+              <a:endParaRPr kumimoji="1" lang="ko-Kore-KR" altLang="en-US" dirty="0"/>
+            </a:p>
+          </p:txBody>
+        </p:sp>
+        <p:sp>
+          <p:nvSpPr>
+            <p:cNvPr id="25" name="직사각형 24">
+              <a:extLst>
+                <a:ext uri="{FF2B5EF4-FFF2-40B4-BE49-F238E27FC236}">
+                  <a16:creationId xmlns:a16="http://schemas.microsoft.com/office/drawing/2014/main" id="{133A4C4A-2210-9378-8B4A-B9AC108B27DE}"/>
+                </a:ext>
+              </a:extLst>
+            </p:cNvPr>
+            <p:cNvSpPr/>
+            <p:nvPr/>
+          </p:nvSpPr>
+          <p:spPr>
+            <a:xfrm>
+              <a:off x="2384323" y="3500284"/>
+              <a:ext cx="722671" cy="363794"/>
+            </a:xfrm>
+            <a:prstGeom prst="rect">
+              <a:avLst/>
+            </a:prstGeom>
+            <a:solidFill>
+              <a:schemeClr val="bg1"/>
+            </a:solidFill>
+            <a:ln>
+              <a:noFill/>
+            </a:ln>
+          </p:spPr>
+          <p:style>
+            <a:lnRef idx="2">
+              <a:schemeClr val="accent1">
+                <a:shade val="50000"/>
+              </a:schemeClr>
+            </a:lnRef>
+            <a:fillRef idx="1">
+              <a:schemeClr val="accent1"/>
+            </a:fillRef>
+            <a:effectRef idx="0">
+              <a:schemeClr val="accent1"/>
+            </a:effectRef>
+            <a:fontRef idx="minor">
+              <a:schemeClr val="lt1"/>
+            </a:fontRef>
+          </p:style>
+          <p:txBody>
+            <a:bodyPr rtlCol="0" anchor="ctr"/>
+            <a:lstStyle/>
+            <a:p>
+              <a:pPr algn="ctr"/>
+              <a:endParaRPr kumimoji="1" lang="ko-Kore-KR" altLang="en-US" dirty="0"/>
+            </a:p>
+          </p:txBody>
+        </p:sp>
+        <p:sp>
+          <p:nvSpPr>
+            <p:cNvPr id="26" name="직사각형 25">
+              <a:extLst>
+                <a:ext uri="{FF2B5EF4-FFF2-40B4-BE49-F238E27FC236}">
+                  <a16:creationId xmlns:a16="http://schemas.microsoft.com/office/drawing/2014/main" id="{6D34F24E-ACDE-718D-775B-2D6FB8341DEB}"/>
+                </a:ext>
+              </a:extLst>
+            </p:cNvPr>
+            <p:cNvSpPr/>
+            <p:nvPr/>
+          </p:nvSpPr>
+          <p:spPr>
+            <a:xfrm>
+              <a:off x="6096000" y="3500285"/>
+              <a:ext cx="722671" cy="363794"/>
+            </a:xfrm>
+            <a:prstGeom prst="rect">
+              <a:avLst/>
+            </a:prstGeom>
+            <a:solidFill>
+              <a:schemeClr val="bg1"/>
+            </a:solidFill>
+            <a:ln>
+              <a:noFill/>
+            </a:ln>
+          </p:spPr>
+          <p:style>
+            <a:lnRef idx="2">
+              <a:schemeClr val="accent1">
+                <a:shade val="50000"/>
+              </a:schemeClr>
+            </a:lnRef>
+            <a:fillRef idx="1">
+              <a:schemeClr val="accent1"/>
+            </a:fillRef>
+            <a:effectRef idx="0">
+              <a:schemeClr val="accent1"/>
+            </a:effectRef>
+            <a:fontRef idx="minor">
+              <a:schemeClr val="lt1"/>
+            </a:fontRef>
+          </p:style>
+          <p:txBody>
+            <a:bodyPr rtlCol="0" anchor="ctr"/>
+            <a:lstStyle/>
+            <a:p>
+              <a:pPr algn="ctr"/>
+              <a:endParaRPr kumimoji="1" lang="ko-Kore-KR" altLang="en-US" dirty="0"/>
+            </a:p>
+          </p:txBody>
+        </p:sp>
+        <p:sp>
+          <p:nvSpPr>
+            <p:cNvPr id="27" name="TextBox 26">
+              <a:extLst>
+                <a:ext uri="{FF2B5EF4-FFF2-40B4-BE49-F238E27FC236}">
+                  <a16:creationId xmlns:a16="http://schemas.microsoft.com/office/drawing/2014/main" id="{BC11502F-EE09-B298-E012-1DA3D1278D39}"/>
+                </a:ext>
+              </a:extLst>
+            </p:cNvPr>
+            <p:cNvSpPr txBox="1"/>
+            <p:nvPr/>
+          </p:nvSpPr>
+          <p:spPr>
+            <a:xfrm>
+              <a:off x="6017343" y="337388"/>
+              <a:ext cx="542135" cy="461665"/>
+            </a:xfrm>
+            <a:prstGeom prst="rect">
+              <a:avLst/>
+            </a:prstGeom>
+            <a:noFill/>
+          </p:spPr>
+          <p:txBody>
+            <a:bodyPr wrap="none" rtlCol="0">
+              <a:spAutoFit/>
+            </a:bodyPr>
+            <a:lstStyle/>
+            <a:p>
+              <a:r>
+                <a:rPr kumimoji="1" lang="en-US" altLang="ko-Kore-KR" sz="2400" b="1" dirty="0"/>
+                <a:t>(b)</a:t>
+              </a:r>
+              <a:endParaRPr kumimoji="1" lang="ko-Kore-KR" altLang="en-US" sz="2400" b="1" dirty="0"/>
+            </a:p>
+          </p:txBody>
+        </p:sp>
+        <p:sp>
+          <p:nvSpPr>
+            <p:cNvPr id="28" name="직사각형 27">
+              <a:extLst>
+                <a:ext uri="{FF2B5EF4-FFF2-40B4-BE49-F238E27FC236}">
+                  <a16:creationId xmlns:a16="http://schemas.microsoft.com/office/drawing/2014/main" id="{50D686CC-B039-7B84-A0D8-27C4E1DE0BE4}"/>
+                </a:ext>
+              </a:extLst>
+            </p:cNvPr>
+            <p:cNvSpPr/>
+            <p:nvPr/>
+          </p:nvSpPr>
+          <p:spPr>
+            <a:xfrm>
+              <a:off x="2384322" y="386323"/>
+              <a:ext cx="722671" cy="363794"/>
+            </a:xfrm>
+            <a:prstGeom prst="rect">
+              <a:avLst/>
+            </a:prstGeom>
+            <a:solidFill>
+              <a:schemeClr val="bg1"/>
+            </a:solidFill>
+            <a:ln>
+              <a:noFill/>
+            </a:ln>
+          </p:spPr>
+          <p:style>
+            <a:lnRef idx="2">
+              <a:schemeClr val="accent1">
+                <a:shade val="50000"/>
+              </a:schemeClr>
+            </a:lnRef>
+            <a:fillRef idx="1">
+              <a:schemeClr val="accent1"/>
+            </a:fillRef>
+            <a:effectRef idx="0">
+              <a:schemeClr val="accent1"/>
+            </a:effectRef>
+            <a:fontRef idx="minor">
+              <a:schemeClr val="lt1"/>
+            </a:fontRef>
+          </p:style>
+          <p:txBody>
+            <a:bodyPr rtlCol="0" anchor="ctr"/>
+            <a:lstStyle/>
+            <a:p>
+              <a:pPr algn="ctr"/>
+              <a:endParaRPr kumimoji="1" lang="ko-Kore-KR" altLang="en-US" dirty="0"/>
+            </a:p>
+          </p:txBody>
+        </p:sp>
+        <p:sp>
+          <p:nvSpPr>
+            <p:cNvPr id="29" name="TextBox 28">
+              <a:extLst>
+                <a:ext uri="{FF2B5EF4-FFF2-40B4-BE49-F238E27FC236}">
+                  <a16:creationId xmlns:a16="http://schemas.microsoft.com/office/drawing/2014/main" id="{D3708E6B-7E73-12C5-288E-1F0B191CAACE}"/>
+                </a:ext>
+              </a:extLst>
+            </p:cNvPr>
+            <p:cNvSpPr txBox="1"/>
+            <p:nvPr/>
+          </p:nvSpPr>
+          <p:spPr>
+            <a:xfrm>
+              <a:off x="2389920" y="337387"/>
+              <a:ext cx="529312" cy="461665"/>
+            </a:xfrm>
+            <a:prstGeom prst="rect">
+              <a:avLst/>
+            </a:prstGeom>
+            <a:noFill/>
+          </p:spPr>
+          <p:txBody>
+            <a:bodyPr wrap="none" rtlCol="0">
+              <a:spAutoFit/>
+            </a:bodyPr>
+            <a:lstStyle/>
+            <a:p>
+              <a:r>
+                <a:rPr kumimoji="1" lang="en-US" altLang="ko-Kore-KR" sz="2400" b="1" dirty="0"/>
+                <a:t>(a)</a:t>
+              </a:r>
+              <a:endParaRPr kumimoji="1" lang="ko-Kore-KR" altLang="en-US" sz="2400" b="1" dirty="0"/>
+            </a:p>
+          </p:txBody>
+        </p:sp>
+        <p:sp>
+          <p:nvSpPr>
+            <p:cNvPr id="30" name="TextBox 29">
+              <a:extLst>
+                <a:ext uri="{FF2B5EF4-FFF2-40B4-BE49-F238E27FC236}">
+                  <a16:creationId xmlns:a16="http://schemas.microsoft.com/office/drawing/2014/main" id="{7AAC8D92-2E88-6CF8-3F0A-862093A84E4F}"/>
+                </a:ext>
+              </a:extLst>
+            </p:cNvPr>
+            <p:cNvSpPr txBox="1"/>
+            <p:nvPr/>
+          </p:nvSpPr>
+          <p:spPr>
+            <a:xfrm>
+              <a:off x="2411362" y="3428999"/>
+              <a:ext cx="505267" cy="461665"/>
+            </a:xfrm>
+            <a:prstGeom prst="rect">
+              <a:avLst/>
+            </a:prstGeom>
+            <a:noFill/>
+          </p:spPr>
+          <p:txBody>
+            <a:bodyPr wrap="none" rtlCol="0">
+              <a:spAutoFit/>
+            </a:bodyPr>
+            <a:lstStyle/>
+            <a:p>
+              <a:r>
+                <a:rPr kumimoji="1" lang="en-US" altLang="ko-Kore-KR" sz="2400" b="1" dirty="0"/>
+                <a:t>(c)</a:t>
+              </a:r>
+              <a:endParaRPr kumimoji="1" lang="ko-Kore-KR" altLang="en-US" sz="2400" b="1" dirty="0"/>
+            </a:p>
+          </p:txBody>
+        </p:sp>
+        <p:sp>
+          <p:nvSpPr>
+            <p:cNvPr id="31" name="TextBox 30">
+              <a:extLst>
+                <a:ext uri="{FF2B5EF4-FFF2-40B4-BE49-F238E27FC236}">
+                  <a16:creationId xmlns:a16="http://schemas.microsoft.com/office/drawing/2014/main" id="{B5054B8B-64D8-388A-E4D2-CD6AE1D79827}"/>
+                </a:ext>
+              </a:extLst>
+            </p:cNvPr>
+            <p:cNvSpPr txBox="1"/>
+            <p:nvPr/>
+          </p:nvSpPr>
+          <p:spPr>
+            <a:xfrm>
+              <a:off x="6091352" y="3451348"/>
+              <a:ext cx="542135" cy="461665"/>
+            </a:xfrm>
+            <a:prstGeom prst="rect">
+              <a:avLst/>
+            </a:prstGeom>
+            <a:noFill/>
+          </p:spPr>
+          <p:txBody>
+            <a:bodyPr wrap="none" rtlCol="0">
+              <a:spAutoFit/>
+            </a:bodyPr>
+            <a:lstStyle/>
+            <a:p>
+              <a:r>
+                <a:rPr kumimoji="1" lang="en-US" altLang="ko-Kore-KR" sz="2400" b="1" dirty="0"/>
+                <a:t>(d)</a:t>
+              </a:r>
+              <a:endParaRPr kumimoji="1" lang="ko-Kore-KR" altLang="en-US" sz="2400" b="1" dirty="0"/>
+            </a:p>
+          </p:txBody>
+        </p:sp>
+        <p:pic>
+          <p:nvPicPr>
+            <p:cNvPr id="32" name="그림 31">
+              <a:extLst>
+                <a:ext uri="{FF2B5EF4-FFF2-40B4-BE49-F238E27FC236}">
+                  <a16:creationId xmlns:a16="http://schemas.microsoft.com/office/drawing/2014/main" id="{CA5EFEF4-2539-73AA-594D-2E09AC9B5C70}"/>
+                </a:ext>
+              </a:extLst>
+            </p:cNvPr>
+            <p:cNvPicPr>
+              <a:picLocks noChangeAspect="1"/>
+            </p:cNvPicPr>
+            <p:nvPr/>
+          </p:nvPicPr>
+          <p:blipFill rotWithShape="1">
+            <a:blip r:embed="rId3"/>
+            <a:srcRect l="47619"/>
+            <a:stretch/>
+          </p:blipFill>
+          <p:spPr>
+            <a:xfrm>
+              <a:off x="6172055" y="750117"/>
+              <a:ext cx="3764220" cy="2891016"/>
+            </a:xfrm>
+            <a:prstGeom prst="rect">
+              <a:avLst/>
+            </a:prstGeom>
+          </p:spPr>
+        </p:pic>
+        <p:grpSp>
+          <p:nvGrpSpPr>
+            <p:cNvPr id="33" name="그룹 32">
+              <a:extLst>
+                <a:ext uri="{FF2B5EF4-FFF2-40B4-BE49-F238E27FC236}">
+                  <a16:creationId xmlns:a16="http://schemas.microsoft.com/office/drawing/2014/main" id="{986B0CEC-4C4B-BF9C-FD89-44285974BBD0}"/>
+                </a:ext>
+              </a:extLst>
+            </p:cNvPr>
+            <p:cNvGrpSpPr/>
+            <p:nvPr/>
+          </p:nvGrpSpPr>
+          <p:grpSpPr>
+            <a:xfrm>
+              <a:off x="6564551" y="1485880"/>
+              <a:ext cx="3592171" cy="354222"/>
+              <a:chOff x="6564551" y="1579017"/>
+              <a:chExt cx="3592171" cy="354222"/>
+            </a:xfrm>
+          </p:grpSpPr>
+          <p:sp>
+            <p:nvSpPr>
+              <p:cNvPr id="34" name="이중 물결 33">
+                <a:extLst>
+                  <a:ext uri="{FF2B5EF4-FFF2-40B4-BE49-F238E27FC236}">
+                    <a16:creationId xmlns:a16="http://schemas.microsoft.com/office/drawing/2014/main" id="{E247CD2B-3837-4F95-B045-4C4DC3890D99}"/>
+                  </a:ext>
+                </a:extLst>
+              </p:cNvPr>
+              <p:cNvSpPr/>
+              <p:nvPr/>
+            </p:nvSpPr>
+            <p:spPr>
+              <a:xfrm>
+                <a:off x="6695693" y="1701332"/>
+                <a:ext cx="3297743" cy="225318"/>
+              </a:xfrm>
+              <a:prstGeom prst="doubleWave">
+                <a:avLst>
+                  <a:gd name="adj1" fmla="val 12500"/>
+                  <a:gd name="adj2" fmla="val 0"/>
+                </a:avLst>
+              </a:prstGeom>
+              <a:solidFill>
+                <a:schemeClr val="bg1"/>
+              </a:solidFill>
+              <a:ln>
+                <a:solidFill>
+                  <a:schemeClr val="tx1">
+                    <a:lumMod val="65000"/>
+                    <a:lumOff val="35000"/>
+                  </a:schemeClr>
+                </a:solidFill>
+              </a:ln>
+            </p:spPr>
+            <p:style>
+              <a:lnRef idx="2">
+                <a:schemeClr val="accent1">
+                  <a:shade val="50000"/>
+                </a:schemeClr>
+              </a:lnRef>
+              <a:fillRef idx="1">
+                <a:schemeClr val="accent1"/>
+              </a:fillRef>
+              <a:effectRef idx="0">
+                <a:schemeClr val="accent1"/>
+              </a:effectRef>
+              <a:fontRef idx="minor">
+                <a:schemeClr val="lt1"/>
+              </a:fontRef>
+            </p:style>
+            <p:txBody>
+              <a:bodyPr rtlCol="0" anchor="ctr"/>
+              <a:lstStyle/>
+              <a:p>
+                <a:pPr algn="ctr"/>
+                <a:endParaRPr kumimoji="1" lang="ko-KR" altLang="en-US" dirty="0"/>
+              </a:p>
+            </p:txBody>
+          </p:sp>
+          <p:sp>
+            <p:nvSpPr>
+              <p:cNvPr id="35" name="직사각형 34">
+                <a:extLst>
+                  <a:ext uri="{FF2B5EF4-FFF2-40B4-BE49-F238E27FC236}">
+                    <a16:creationId xmlns:a16="http://schemas.microsoft.com/office/drawing/2014/main" id="{E78F872D-1438-DD89-0601-E9052B7FDA08}"/>
+                  </a:ext>
+                </a:extLst>
+              </p:cNvPr>
+              <p:cNvSpPr/>
+              <p:nvPr/>
+            </p:nvSpPr>
+            <p:spPr>
+              <a:xfrm>
+                <a:off x="6564551" y="1741800"/>
+                <a:ext cx="139609" cy="191439"/>
+              </a:xfrm>
+              <a:prstGeom prst="rect">
+                <a:avLst/>
+              </a:prstGeom>
+              <a:solidFill>
+                <a:schemeClr val="bg1"/>
+              </a:solidFill>
+              <a:ln>
+                <a:noFill/>
+              </a:ln>
+            </p:spPr>
+            <p:style>
+              <a:lnRef idx="2">
+                <a:schemeClr val="accent1">
+                  <a:shade val="50000"/>
+                </a:schemeClr>
+              </a:lnRef>
+              <a:fillRef idx="1">
+                <a:schemeClr val="accent1"/>
+              </a:fillRef>
+              <a:effectRef idx="0">
+                <a:schemeClr val="accent1"/>
+              </a:effectRef>
+              <a:fontRef idx="minor">
+                <a:schemeClr val="lt1"/>
+              </a:fontRef>
+            </p:style>
+            <p:txBody>
+              <a:bodyPr rtlCol="0" anchor="ctr"/>
+              <a:lstStyle/>
+              <a:p>
+                <a:pPr algn="ctr"/>
+                <a:endParaRPr kumimoji="1" lang="ko-KR" altLang="en-US"/>
+              </a:p>
+            </p:txBody>
+          </p:sp>
+          <p:sp>
+            <p:nvSpPr>
+              <p:cNvPr id="36" name="직사각형 35">
+                <a:extLst>
+                  <a:ext uri="{FF2B5EF4-FFF2-40B4-BE49-F238E27FC236}">
+                    <a16:creationId xmlns:a16="http://schemas.microsoft.com/office/drawing/2014/main" id="{B465E1D5-E8CC-6294-4279-7C666DF44783}"/>
+                  </a:ext>
+                </a:extLst>
+              </p:cNvPr>
+              <p:cNvSpPr/>
+              <p:nvPr/>
+            </p:nvSpPr>
+            <p:spPr>
+              <a:xfrm>
+                <a:off x="9980561" y="1579017"/>
+                <a:ext cx="176161" cy="347632"/>
+              </a:xfrm>
+              <a:prstGeom prst="rect">
+                <a:avLst/>
+              </a:prstGeom>
+              <a:solidFill>
+                <a:schemeClr val="bg1"/>
+              </a:solidFill>
+              <a:ln>
+                <a:noFill/>
+              </a:ln>
+            </p:spPr>
+            <p:style>
+              <a:lnRef idx="2">
+                <a:schemeClr val="accent1">
+                  <a:shade val="50000"/>
+                </a:schemeClr>
+              </a:lnRef>
+              <a:fillRef idx="1">
+                <a:schemeClr val="accent1"/>
+              </a:fillRef>
+              <a:effectRef idx="0">
+                <a:schemeClr val="accent1"/>
+              </a:effectRef>
+              <a:fontRef idx="minor">
+                <a:schemeClr val="lt1"/>
+              </a:fontRef>
+            </p:style>
+            <p:txBody>
+              <a:bodyPr rtlCol="0" anchor="ctr"/>
+              <a:lstStyle/>
+              <a:p>
+                <a:pPr algn="ctr"/>
+                <a:endParaRPr kumimoji="1" lang="ko-KR" altLang="en-US"/>
+              </a:p>
+            </p:txBody>
+          </p:sp>
+        </p:grpSp>
+      </p:grpSp>
+    </p:spTree>
+    <p:extLst>
+      <p:ext uri="{BB962C8B-B14F-4D97-AF65-F5344CB8AC3E}">
+        <p14:creationId xmlns:p14="http://schemas.microsoft.com/office/powerpoint/2010/main" val="339185178"/>
       </p:ext>
     </p:extLst>
   </p:cSld>
